--- a/CI/CI.pptx
+++ b/CI/CI.pptx
@@ -26,6 +26,7 @@
     <p:sldId id="272" r:id="rId20"/>
     <p:sldId id="273" r:id="rId21"/>
     <p:sldId id="269" r:id="rId22"/>
+    <p:sldId id="278" r:id="rId23"/>
   </p:sldIdLst>
   <p:sldSz cx="12192000" cy="6858000"/>
   <p:notesSz cx="6858000" cy="9144000"/>
@@ -257,7 +258,7 @@
             <a:fld id="{D314177D-4D24-4D5B-9883-5FDB7C835FD3}" type="datetimeFigureOut">
               <a:rPr lang="zh-CN" altLang="en-US" smtClean="0"/>
               <a:pPr/>
-              <a:t>2016/9/26</a:t>
+              <a:t>2016/9/27</a:t>
             </a:fld>
             <a:endParaRPr lang="zh-CN" altLang="en-US"/>
           </a:p>
@@ -309,7 +310,7 @@
     </p:spTree>
     <p:extLst>
       <p:ext uri="{BB962C8B-B14F-4D97-AF65-F5344CB8AC3E}">
-        <p14:creationId xmlns="" xmlns:p14="http://schemas.microsoft.com/office/powerpoint/2010/main" val="179433876"/>
+        <p14:creationId xmlns:p14="http://schemas.microsoft.com/office/powerpoint/2010/main" xmlns="" val="179433876"/>
       </p:ext>
     </p:extLst>
   </p:cSld>
@@ -427,7 +428,7 @@
             <a:fld id="{D314177D-4D24-4D5B-9883-5FDB7C835FD3}" type="datetimeFigureOut">
               <a:rPr lang="zh-CN" altLang="en-US" smtClean="0"/>
               <a:pPr/>
-              <a:t>2016/9/26</a:t>
+              <a:t>2016/9/27</a:t>
             </a:fld>
             <a:endParaRPr lang="zh-CN" altLang="en-US"/>
           </a:p>
@@ -479,7 +480,7 @@
     </p:spTree>
     <p:extLst>
       <p:ext uri="{BB962C8B-B14F-4D97-AF65-F5344CB8AC3E}">
-        <p14:creationId xmlns="" xmlns:p14="http://schemas.microsoft.com/office/powerpoint/2010/main" val="3990689481"/>
+        <p14:creationId xmlns:p14="http://schemas.microsoft.com/office/powerpoint/2010/main" xmlns="" val="3990689481"/>
       </p:ext>
     </p:extLst>
   </p:cSld>
@@ -607,7 +608,7 @@
             <a:fld id="{D314177D-4D24-4D5B-9883-5FDB7C835FD3}" type="datetimeFigureOut">
               <a:rPr lang="zh-CN" altLang="en-US" smtClean="0"/>
               <a:pPr/>
-              <a:t>2016/9/26</a:t>
+              <a:t>2016/9/27</a:t>
             </a:fld>
             <a:endParaRPr lang="zh-CN" altLang="en-US"/>
           </a:p>
@@ -659,7 +660,7 @@
     </p:spTree>
     <p:extLst>
       <p:ext uri="{BB962C8B-B14F-4D97-AF65-F5344CB8AC3E}">
-        <p14:creationId xmlns="" xmlns:p14="http://schemas.microsoft.com/office/powerpoint/2010/main" val="2311475366"/>
+        <p14:creationId xmlns:p14="http://schemas.microsoft.com/office/powerpoint/2010/main" xmlns="" val="2311475366"/>
       </p:ext>
     </p:extLst>
   </p:cSld>
@@ -777,7 +778,7 @@
             <a:fld id="{D314177D-4D24-4D5B-9883-5FDB7C835FD3}" type="datetimeFigureOut">
               <a:rPr lang="zh-CN" altLang="en-US" smtClean="0"/>
               <a:pPr/>
-              <a:t>2016/9/26</a:t>
+              <a:t>2016/9/27</a:t>
             </a:fld>
             <a:endParaRPr lang="zh-CN" altLang="en-US"/>
           </a:p>
@@ -829,7 +830,7 @@
     </p:spTree>
     <p:extLst>
       <p:ext uri="{BB962C8B-B14F-4D97-AF65-F5344CB8AC3E}">
-        <p14:creationId xmlns="" xmlns:p14="http://schemas.microsoft.com/office/powerpoint/2010/main" val="559158518"/>
+        <p14:creationId xmlns:p14="http://schemas.microsoft.com/office/powerpoint/2010/main" xmlns="" val="559158518"/>
       </p:ext>
     </p:extLst>
   </p:cSld>
@@ -1024,7 +1025,7 @@
             <a:fld id="{D314177D-4D24-4D5B-9883-5FDB7C835FD3}" type="datetimeFigureOut">
               <a:rPr lang="zh-CN" altLang="en-US" smtClean="0"/>
               <a:pPr/>
-              <a:t>2016/9/26</a:t>
+              <a:t>2016/9/27</a:t>
             </a:fld>
             <a:endParaRPr lang="zh-CN" altLang="en-US"/>
           </a:p>
@@ -1076,7 +1077,7 @@
     </p:spTree>
     <p:extLst>
       <p:ext uri="{BB962C8B-B14F-4D97-AF65-F5344CB8AC3E}">
-        <p14:creationId xmlns="" xmlns:p14="http://schemas.microsoft.com/office/powerpoint/2010/main" val="162949256"/>
+        <p14:creationId xmlns:p14="http://schemas.microsoft.com/office/powerpoint/2010/main" xmlns="" val="162949256"/>
       </p:ext>
     </p:extLst>
   </p:cSld>
@@ -1255,7 +1256,7 @@
             <a:fld id="{D314177D-4D24-4D5B-9883-5FDB7C835FD3}" type="datetimeFigureOut">
               <a:rPr lang="zh-CN" altLang="en-US" smtClean="0"/>
               <a:pPr/>
-              <a:t>2016/9/26</a:t>
+              <a:t>2016/9/27</a:t>
             </a:fld>
             <a:endParaRPr lang="zh-CN" altLang="en-US"/>
           </a:p>
@@ -1307,7 +1308,7 @@
     </p:spTree>
     <p:extLst>
       <p:ext uri="{BB962C8B-B14F-4D97-AF65-F5344CB8AC3E}">
-        <p14:creationId xmlns="" xmlns:p14="http://schemas.microsoft.com/office/powerpoint/2010/main" val="1779635655"/>
+        <p14:creationId xmlns:p14="http://schemas.microsoft.com/office/powerpoint/2010/main" xmlns="" val="1779635655"/>
       </p:ext>
     </p:extLst>
   </p:cSld>
@@ -1621,7 +1622,7 @@
             <a:fld id="{D314177D-4D24-4D5B-9883-5FDB7C835FD3}" type="datetimeFigureOut">
               <a:rPr lang="zh-CN" altLang="en-US" smtClean="0"/>
               <a:pPr/>
-              <a:t>2016/9/26</a:t>
+              <a:t>2016/9/27</a:t>
             </a:fld>
             <a:endParaRPr lang="zh-CN" altLang="en-US"/>
           </a:p>
@@ -1673,7 +1674,7 @@
     </p:spTree>
     <p:extLst>
       <p:ext uri="{BB962C8B-B14F-4D97-AF65-F5344CB8AC3E}">
-        <p14:creationId xmlns="" xmlns:p14="http://schemas.microsoft.com/office/powerpoint/2010/main" val="1145708925"/>
+        <p14:creationId xmlns:p14="http://schemas.microsoft.com/office/powerpoint/2010/main" xmlns="" val="1145708925"/>
       </p:ext>
     </p:extLst>
   </p:cSld>
@@ -1740,7 +1741,7 @@
             <a:fld id="{D314177D-4D24-4D5B-9883-5FDB7C835FD3}" type="datetimeFigureOut">
               <a:rPr lang="zh-CN" altLang="en-US" smtClean="0"/>
               <a:pPr/>
-              <a:t>2016/9/26</a:t>
+              <a:t>2016/9/27</a:t>
             </a:fld>
             <a:endParaRPr lang="zh-CN" altLang="en-US"/>
           </a:p>
@@ -1792,7 +1793,7 @@
     </p:spTree>
     <p:extLst>
       <p:ext uri="{BB962C8B-B14F-4D97-AF65-F5344CB8AC3E}">
-        <p14:creationId xmlns="" xmlns:p14="http://schemas.microsoft.com/office/powerpoint/2010/main" val="2230175809"/>
+        <p14:creationId xmlns:p14="http://schemas.microsoft.com/office/powerpoint/2010/main" xmlns="" val="2230175809"/>
       </p:ext>
     </p:extLst>
   </p:cSld>
@@ -1837,7 +1838,7 @@
             <a:fld id="{D314177D-4D24-4D5B-9883-5FDB7C835FD3}" type="datetimeFigureOut">
               <a:rPr lang="zh-CN" altLang="en-US" smtClean="0"/>
               <a:pPr/>
-              <a:t>2016/9/26</a:t>
+              <a:t>2016/9/27</a:t>
             </a:fld>
             <a:endParaRPr lang="zh-CN" altLang="en-US"/>
           </a:p>
@@ -1889,7 +1890,7 @@
     </p:spTree>
     <p:extLst>
       <p:ext uri="{BB962C8B-B14F-4D97-AF65-F5344CB8AC3E}">
-        <p14:creationId xmlns="" xmlns:p14="http://schemas.microsoft.com/office/powerpoint/2010/main" val="3035505326"/>
+        <p14:creationId xmlns:p14="http://schemas.microsoft.com/office/powerpoint/2010/main" xmlns="" val="3035505326"/>
       </p:ext>
     </p:extLst>
   </p:cSld>
@@ -2114,7 +2115,7 @@
             <a:fld id="{D314177D-4D24-4D5B-9883-5FDB7C835FD3}" type="datetimeFigureOut">
               <a:rPr lang="zh-CN" altLang="en-US" smtClean="0"/>
               <a:pPr/>
-              <a:t>2016/9/26</a:t>
+              <a:t>2016/9/27</a:t>
             </a:fld>
             <a:endParaRPr lang="zh-CN" altLang="en-US"/>
           </a:p>
@@ -2166,7 +2167,7 @@
     </p:spTree>
     <p:extLst>
       <p:ext uri="{BB962C8B-B14F-4D97-AF65-F5344CB8AC3E}">
-        <p14:creationId xmlns="" xmlns:p14="http://schemas.microsoft.com/office/powerpoint/2010/main" val="1779068405"/>
+        <p14:creationId xmlns:p14="http://schemas.microsoft.com/office/powerpoint/2010/main" xmlns="" val="1779068405"/>
       </p:ext>
     </p:extLst>
   </p:cSld>
@@ -2368,7 +2369,7 @@
             <a:fld id="{D314177D-4D24-4D5B-9883-5FDB7C835FD3}" type="datetimeFigureOut">
               <a:rPr lang="zh-CN" altLang="en-US" smtClean="0"/>
               <a:pPr/>
-              <a:t>2016/9/26</a:t>
+              <a:t>2016/9/27</a:t>
             </a:fld>
             <a:endParaRPr lang="zh-CN" altLang="en-US"/>
           </a:p>
@@ -2420,7 +2421,7 @@
     </p:spTree>
     <p:extLst>
       <p:ext uri="{BB962C8B-B14F-4D97-AF65-F5344CB8AC3E}">
-        <p14:creationId xmlns="" xmlns:p14="http://schemas.microsoft.com/office/powerpoint/2010/main" val="1486777421"/>
+        <p14:creationId xmlns:p14="http://schemas.microsoft.com/office/powerpoint/2010/main" xmlns="" val="1486777421"/>
       </p:ext>
     </p:extLst>
   </p:cSld>
@@ -2581,7 +2582,7 @@
             <a:fld id="{D314177D-4D24-4D5B-9883-5FDB7C835FD3}" type="datetimeFigureOut">
               <a:rPr lang="zh-CN" altLang="en-US" smtClean="0"/>
               <a:pPr/>
-              <a:t>2016/9/26</a:t>
+              <a:t>2016/9/27</a:t>
             </a:fld>
             <a:endParaRPr lang="zh-CN" altLang="en-US"/>
           </a:p>
@@ -2669,7 +2670,7 @@
     </p:spTree>
     <p:extLst>
       <p:ext uri="{BB962C8B-B14F-4D97-AF65-F5344CB8AC3E}">
-        <p14:creationId xmlns="" xmlns:p14="http://schemas.microsoft.com/office/powerpoint/2010/main" val="4013215125"/>
+        <p14:creationId xmlns:p14="http://schemas.microsoft.com/office/powerpoint/2010/main" xmlns="" val="4013215125"/>
       </p:ext>
     </p:extLst>
   </p:cSld>
@@ -3040,7 +3041,7 @@
     </p:spTree>
     <p:extLst>
       <p:ext uri="{BB962C8B-B14F-4D97-AF65-F5344CB8AC3E}">
-        <p14:creationId xmlns="" xmlns:p14="http://schemas.microsoft.com/office/powerpoint/2010/main" val="853918072"/>
+        <p14:creationId xmlns:p14="http://schemas.microsoft.com/office/powerpoint/2010/main" xmlns="" val="853918072"/>
       </p:ext>
     </p:extLst>
   </p:cSld>
@@ -3084,11 +3085,7 @@
           <a:p>
             <a:r>
               <a:rPr lang="zh-CN" altLang="en-US" dirty="0" smtClean="0"/>
-              <a:t>持续交付成熟度</a:t>
-            </a:r>
-            <a:r>
-              <a:rPr lang="zh-CN" altLang="en-US" dirty="0" smtClean="0"/>
-              <a:t>模型</a:t>
+              <a:t>持续交付成熟度模型</a:t>
             </a:r>
             <a:r>
               <a:rPr lang="en-US" altLang="zh-CN" dirty="0" smtClean="0"/>
@@ -3128,11 +3125,7 @@
             </a:pPr>
             <a:r>
               <a:rPr lang="zh-CN" altLang="en-US" dirty="0" smtClean="0"/>
-              <a:t>持续</a:t>
-            </a:r>
-            <a:r>
-              <a:rPr lang="zh-CN" altLang="en-US" dirty="0" smtClean="0"/>
-              <a:t>集成（</a:t>
+              <a:t>持续集成（</a:t>
             </a:r>
             <a:r>
               <a:rPr lang="en-US" altLang="zh-CN" dirty="0" smtClean="0"/>
@@ -3146,11 +3139,7 @@
             </a:pPr>
             <a:r>
               <a:rPr lang="zh-CN" altLang="en-US" dirty="0" smtClean="0"/>
-              <a:t>环境</a:t>
-            </a:r>
-            <a:r>
-              <a:rPr lang="zh-CN" altLang="en-US" dirty="0" smtClean="0"/>
-              <a:t>与部署（</a:t>
+              <a:t>环境与部署（</a:t>
             </a:r>
             <a:r>
               <a:rPr lang="en-US" altLang="zh-CN" dirty="0" smtClean="0"/>
@@ -3168,11 +3157,7 @@
             </a:pPr>
             <a:r>
               <a:rPr lang="zh-CN" altLang="en-US" dirty="0" smtClean="0"/>
-              <a:t>可视化</a:t>
-            </a:r>
-            <a:r>
-              <a:rPr lang="zh-CN" altLang="en-US" dirty="0" smtClean="0"/>
-              <a:t>与可追踪性（</a:t>
+              <a:t>可视化与可追踪性（</a:t>
             </a:r>
             <a:r>
               <a:rPr lang="en-US" altLang="zh-CN" dirty="0" smtClean="0"/>
@@ -3190,11 +3175,7 @@
             </a:pPr>
             <a:r>
               <a:rPr lang="zh-CN" altLang="en-US" dirty="0" smtClean="0"/>
-              <a:t>测试</a:t>
-            </a:r>
-            <a:r>
-              <a:rPr lang="zh-CN" altLang="en-US" dirty="0" smtClean="0"/>
-              <a:t>（</a:t>
+              <a:t>测试（</a:t>
             </a:r>
             <a:r>
               <a:rPr lang="en-US" altLang="zh-CN" dirty="0" smtClean="0"/>
@@ -3212,11 +3193,7 @@
             </a:pPr>
             <a:r>
               <a:rPr lang="zh-CN" altLang="en-US" dirty="0" smtClean="0"/>
-              <a:t>数据管理</a:t>
-            </a:r>
-            <a:r>
-              <a:rPr lang="zh-CN" altLang="en-US" dirty="0" smtClean="0"/>
-              <a:t>（</a:t>
+              <a:t>数据管理（</a:t>
             </a:r>
             <a:r>
               <a:rPr lang="en-US" altLang="zh-CN" dirty="0" smtClean="0"/>
@@ -3234,11 +3211,7 @@
             </a:pPr>
             <a:r>
               <a:rPr lang="zh-CN" altLang="en-US" dirty="0" smtClean="0"/>
-              <a:t>配置管理</a:t>
-            </a:r>
-            <a:r>
-              <a:rPr lang="zh-CN" altLang="en-US" dirty="0" smtClean="0"/>
-              <a:t>（</a:t>
+              <a:t>配置管理（</a:t>
             </a:r>
             <a:r>
               <a:rPr lang="en-US" altLang="zh-CN" dirty="0" smtClean="0"/>
@@ -3256,23 +3229,11 @@
             </a:pPr>
             <a:r>
               <a:rPr lang="zh-CN" altLang="en-US" dirty="0" smtClean="0"/>
-              <a:t>组织</a:t>
-            </a:r>
-            <a:r>
-              <a:rPr lang="zh-CN" altLang="en-US" dirty="0" smtClean="0"/>
-              <a:t>协调性</a:t>
-            </a:r>
-            <a:r>
-              <a:rPr lang="zh-CN" altLang="en-US" dirty="0" smtClean="0"/>
-              <a:t>（</a:t>
+              <a:t>组织协调性（</a:t>
             </a:r>
             <a:r>
               <a:rPr lang="en-US" altLang="zh-CN" dirty="0" smtClean="0"/>
-              <a:t>Organizational </a:t>
-            </a:r>
-            <a:r>
-              <a:rPr lang="en-US" altLang="zh-CN" dirty="0" smtClean="0"/>
-              <a:t>Alignment</a:t>
+              <a:t>Organizational Alignment</a:t>
             </a:r>
             <a:r>
               <a:rPr lang="zh-CN" altLang="en-US" dirty="0" smtClean="0"/>
@@ -3306,11 +3267,7 @@
             <a:pPr lvl="1"/>
             <a:r>
               <a:rPr lang="zh-CN" altLang="en-US" dirty="0" smtClean="0"/>
-              <a:t>二</a:t>
-            </a:r>
-            <a:r>
-              <a:rPr lang="zh-CN" altLang="en-US" dirty="0" smtClean="0"/>
-              <a:t>级：可重复级</a:t>
+              <a:t>二级：可重复级</a:t>
             </a:r>
             <a:r>
               <a:rPr lang="en-US" altLang="zh-CN" dirty="0" smtClean="0"/>
@@ -3321,22 +3278,14 @@
             <a:pPr lvl="1"/>
             <a:r>
               <a:rPr lang="zh-CN" altLang="en-US" dirty="0" smtClean="0"/>
-              <a:t>三</a:t>
-            </a:r>
-            <a:r>
-              <a:rPr lang="zh-CN" altLang="en-US" dirty="0" smtClean="0"/>
-              <a:t>级：可定义级</a:t>
+              <a:t>三级：可定义级</a:t>
             </a:r>
           </a:p>
           <a:p>
             <a:pPr lvl="1"/>
             <a:r>
               <a:rPr lang="zh-CN" altLang="en-US" dirty="0" smtClean="0"/>
-              <a:t>四</a:t>
-            </a:r>
-            <a:r>
-              <a:rPr lang="zh-CN" altLang="en-US" dirty="0" smtClean="0"/>
-              <a:t>级：可定量级（</a:t>
+              <a:t>四级：可定量级（</a:t>
             </a:r>
             <a:r>
               <a:rPr lang="en-US" altLang="zh-CN" dirty="0" smtClean="0"/>
@@ -3351,11 +3300,7 @@
             <a:pPr lvl="1"/>
             <a:r>
               <a:rPr lang="zh-CN" altLang="en-US" dirty="0" smtClean="0"/>
-              <a:t>五</a:t>
-            </a:r>
-            <a:r>
-              <a:rPr lang="zh-CN" altLang="en-US" dirty="0" smtClean="0"/>
-              <a:t>级：改进级（</a:t>
+              <a:t>五级：改进级（</a:t>
             </a:r>
             <a:r>
               <a:rPr lang="en-US" altLang="zh-CN" dirty="0" smtClean="0"/>
@@ -3871,11 +3816,7 @@
             <a:pPr lvl="2"/>
             <a:r>
               <a:rPr lang="zh-CN" altLang="en-US" dirty="0" smtClean="0"/>
-              <a:t>分支策略设计，版本定义，版本库</a:t>
-            </a:r>
-            <a:r>
-              <a:rPr lang="zh-CN" altLang="en-US" dirty="0" smtClean="0"/>
-              <a:t>管理。</a:t>
+              <a:t>分支策略设计，版本定义，版本库管理。</a:t>
             </a:r>
             <a:endParaRPr lang="en-US" altLang="zh-CN" dirty="0" smtClean="0"/>
           </a:p>
@@ -4454,7 +4395,7 @@
     </p:spTree>
     <p:extLst>
       <p:ext uri="{BB962C8B-B14F-4D97-AF65-F5344CB8AC3E}">
-        <p14:creationId xmlns="" xmlns:p14="http://schemas.microsoft.com/office/powerpoint/2010/main" val="1635708100"/>
+        <p14:creationId xmlns:p14="http://schemas.microsoft.com/office/powerpoint/2010/main" xmlns="" val="1635708100"/>
       </p:ext>
     </p:extLst>
   </p:cSld>
@@ -4521,11 +4462,7 @@
           <a:p>
             <a:r>
               <a:rPr lang="zh-CN" altLang="en-US" dirty="0" smtClean="0"/>
-              <a:t>仅</a:t>
-            </a:r>
-            <a:r>
-              <a:rPr lang="zh-CN" altLang="en-US" dirty="0" smtClean="0"/>
-              <a:t>构建</a:t>
+              <a:t>仅构建</a:t>
             </a:r>
             <a:r>
               <a:rPr lang="en-US" altLang="zh-CN" dirty="0" smtClean="0"/>
@@ -4554,19 +4491,7 @@
           <a:p>
             <a:r>
               <a:rPr lang="zh-CN" altLang="en-US" dirty="0" smtClean="0"/>
-              <a:t>部署</a:t>
-            </a:r>
-            <a:r>
-              <a:rPr lang="zh-CN" altLang="en-US" dirty="0" smtClean="0"/>
-              <a:t>到</a:t>
-            </a:r>
-            <a:r>
-              <a:rPr lang="zh-CN" altLang="en-US" dirty="0" smtClean="0"/>
-              <a:t>生产环境的附本中</a:t>
-            </a:r>
-            <a:r>
-              <a:rPr lang="zh-CN" altLang="en-US" dirty="0" smtClean="0"/>
-              <a:t>。</a:t>
+              <a:t>部署到生产环境的附本中。</a:t>
             </a:r>
             <a:endParaRPr lang="en-US" altLang="zh-CN" dirty="0" smtClean="0"/>
           </a:p>
@@ -4705,6 +4630,109 @@
 </p:sld>
 </file>
 
+<file path=ppt/slides/slide22.xml><?xml version="1.0" encoding="utf-8"?>
+<p:sld xmlns:a="http://schemas.openxmlformats.org/drawingml/2006/main" xmlns:r="http://schemas.openxmlformats.org/officeDocument/2006/relationships" xmlns:p="http://schemas.openxmlformats.org/presentationml/2006/main">
+  <p:cSld>
+    <p:spTree>
+      <p:nvGrpSpPr>
+        <p:cNvPr id="1" name=""/>
+        <p:cNvGrpSpPr/>
+        <p:nvPr/>
+      </p:nvGrpSpPr>
+      <p:grpSpPr>
+        <a:xfrm>
+          <a:off x="0" y="0"/>
+          <a:ext cx="0" cy="0"/>
+          <a:chOff x="0" y="0"/>
+          <a:chExt cx="0" cy="0"/>
+        </a:xfrm>
+      </p:grpSpPr>
+      <p:sp>
+        <p:nvSpPr>
+          <p:cNvPr id="2" name="标题 1"/>
+          <p:cNvSpPr>
+            <a:spLocks noGrp="1"/>
+          </p:cNvSpPr>
+          <p:nvPr>
+            <p:ph type="title"/>
+          </p:nvPr>
+        </p:nvSpPr>
+        <p:spPr/>
+        <p:txBody>
+          <a:bodyPr/>
+          <a:lstStyle/>
+          <a:p>
+            <a:r>
+              <a:rPr lang="en-US" altLang="zh-CN" dirty="0" smtClean="0"/>
+              <a:t>Continuous delivery workflows with the branch-per-issue model</a:t>
+            </a:r>
+            <a:endParaRPr lang="zh-CN" altLang="en-US" dirty="0"/>
+          </a:p>
+        </p:txBody>
+      </p:sp>
+      <p:sp>
+        <p:nvSpPr>
+          <p:cNvPr id="3" name="内容占位符 2"/>
+          <p:cNvSpPr>
+            <a:spLocks noGrp="1"/>
+          </p:cNvSpPr>
+          <p:nvPr>
+            <p:ph idx="1"/>
+          </p:nvPr>
+        </p:nvSpPr>
+        <p:spPr/>
+        <p:txBody>
+          <a:bodyPr/>
+          <a:lstStyle/>
+          <a:p>
+            <a:r>
+              <a:rPr lang="en-US" altLang="zh-CN" dirty="0" smtClean="0"/>
+              <a:t>Step 0: set up your tool integrations</a:t>
+            </a:r>
+          </a:p>
+          <a:p>
+            <a:endParaRPr lang="zh-CN" altLang="en-US" dirty="0"/>
+          </a:p>
+        </p:txBody>
+      </p:sp>
+      <p:sp>
+        <p:nvSpPr>
+          <p:cNvPr id="4" name="TextBox 3"/>
+          <p:cNvSpPr txBox="1"/>
+          <p:nvPr/>
+        </p:nvSpPr>
+        <p:spPr>
+          <a:xfrm>
+            <a:off x="241038" y="6278137"/>
+            <a:ext cx="11735905" cy="369332"/>
+          </a:xfrm>
+          <a:prstGeom prst="rect">
+            <a:avLst/>
+          </a:prstGeom>
+          <a:noFill/>
+        </p:spPr>
+        <p:txBody>
+          <a:bodyPr wrap="none" rtlCol="0">
+            <a:spAutoFit/>
+          </a:bodyPr>
+          <a:lstStyle/>
+          <a:p>
+            <a:r>
+              <a:rPr lang="en-US" altLang="zh-CN" dirty="0" smtClean="0"/>
+              <a:t>https://www.atlassian.com/continuous-delivery/continuous-delivery-workflows-with-feature-branching-and-gitflow</a:t>
+            </a:r>
+            <a:endParaRPr lang="zh-CN" altLang="en-US" dirty="0"/>
+          </a:p>
+        </p:txBody>
+      </p:sp>
+    </p:spTree>
+  </p:cSld>
+  <p:clrMapOvr>
+    <a:masterClrMapping/>
+  </p:clrMapOvr>
+</p:sld>
+</file>
+
 <file path=ppt/slides/slide3.xml><?xml version="1.0" encoding="utf-8"?>
 <p:sld xmlns:a="http://schemas.openxmlformats.org/drawingml/2006/main" xmlns:r="http://schemas.openxmlformats.org/officeDocument/2006/relationships" xmlns:p="http://schemas.openxmlformats.org/presentationml/2006/main">
   <p:cSld>
@@ -4795,7 +4823,6 @@
               <a:rPr lang="en-US" altLang="zh-CN" dirty="0" smtClean="0"/>
               <a:t> </a:t>
             </a:r>
-            <a:endParaRPr lang="en-US" altLang="zh-CN" dirty="0" smtClean="0"/>
           </a:p>
           <a:p>
             <a:r>
@@ -4910,17 +4937,12 @@
             <a:pPr lvl="1"/>
             <a:r>
               <a:rPr lang="zh-CN" altLang="en-US" dirty="0" smtClean="0"/>
-              <a:t>敏捷管理</a:t>
-            </a:r>
-            <a:r>
-              <a:rPr lang="zh-CN" altLang="en-US" dirty="0" smtClean="0"/>
-              <a:t>：</a:t>
+              <a:t>敏捷管理：</a:t>
             </a:r>
             <a:r>
               <a:rPr lang="en-US" altLang="zh-CN" dirty="0" smtClean="0"/>
               <a:t>JIRA</a:t>
             </a:r>
-            <a:endParaRPr lang="en-US" altLang="zh-CN" dirty="0" smtClean="0"/>
           </a:p>
           <a:p>
             <a:pPr lvl="1"/>
@@ -4930,11 +4952,7 @@
             </a:r>
             <a:r>
               <a:rPr lang="en-US" altLang="zh-CN" dirty="0" err="1" smtClean="0"/>
-              <a:t>Git</a:t>
-            </a:r>
-            <a:r>
-              <a:rPr lang="en-US" altLang="zh-CN" dirty="0" err="1" smtClean="0"/>
-              <a:t>+Gerrit</a:t>
+              <a:t>Git+Gerrit</a:t>
             </a:r>
             <a:r>
               <a:rPr lang="en-US" altLang="zh-CN" dirty="0" smtClean="0"/>
@@ -4942,11 +4960,7 @@
             </a:r>
             <a:r>
               <a:rPr lang="zh-CN" altLang="en-US" dirty="0" smtClean="0"/>
-              <a:t>分支策略</a:t>
-            </a:r>
-            <a:r>
-              <a:rPr lang="zh-CN" altLang="en-US" dirty="0" smtClean="0"/>
-              <a:t>，版本定义，</a:t>
+              <a:t>分支策略，版本定义，</a:t>
             </a:r>
             <a:r>
               <a:rPr lang="en-US" altLang="zh-CN" dirty="0" err="1" smtClean="0"/>
@@ -4960,7 +4974,6 @@
               <a:rPr lang="en-US" altLang="zh-CN" dirty="0" smtClean="0"/>
               <a:t>)</a:t>
             </a:r>
-            <a:endParaRPr lang="en-US" altLang="zh-CN" dirty="0" smtClean="0"/>
           </a:p>
           <a:p>
             <a:pPr lvl="1"/>
@@ -4972,7 +4985,6 @@
               <a:rPr lang="en-US" altLang="zh-CN" dirty="0" smtClean="0"/>
               <a:t>Puppet </a:t>
             </a:r>
-            <a:endParaRPr lang="en-US" altLang="zh-CN" dirty="0" smtClean="0"/>
           </a:p>
           <a:p>
             <a:r>
@@ -4991,7 +5003,6 @@
               <a:rPr lang="en-US" altLang="zh-CN" dirty="0" smtClean="0"/>
               <a:t>Maven</a:t>
             </a:r>
-            <a:endParaRPr lang="en-US" altLang="zh-CN" dirty="0" smtClean="0"/>
           </a:p>
           <a:p>
             <a:r>
@@ -5006,7 +5017,6 @@
               <a:rPr lang="en-US" altLang="zh-CN" dirty="0" smtClean="0"/>
               <a:t>Bamboo, Jenkins</a:t>
             </a:r>
-            <a:endParaRPr lang="en-US" altLang="zh-CN" dirty="0" smtClean="0"/>
           </a:p>
           <a:p>
             <a:r>
@@ -5191,7 +5201,7 @@
           <a:blip r:embed="rId2">
             <a:extLst>
               <a:ext uri="{28A0092B-C50C-407E-A947-70E740481C1C}">
-                <a14:useLocalDpi xmlns="" xmlns:a14="http://schemas.microsoft.com/office/drawing/2010/main" val="0"/>
+                <a14:useLocalDpi xmlns:a14="http://schemas.microsoft.com/office/drawing/2010/main" xmlns="" val="0"/>
               </a:ext>
             </a:extLst>
           </a:blip>
@@ -5212,7 +5222,7 @@
     </p:spTree>
     <p:extLst>
       <p:ext uri="{BB962C8B-B14F-4D97-AF65-F5344CB8AC3E}">
-        <p14:creationId xmlns="" xmlns:p14="http://schemas.microsoft.com/office/powerpoint/2010/main" val="1384145767"/>
+        <p14:creationId xmlns:p14="http://schemas.microsoft.com/office/powerpoint/2010/main" xmlns="" val="1384145767"/>
       </p:ext>
     </p:extLst>
   </p:cSld>
@@ -5601,11 +5611,7 @@
             </a:r>
             <a:r>
               <a:rPr lang="zh-CN" altLang="en-US" dirty="0" smtClean="0"/>
-              <a:t>分支</a:t>
-            </a:r>
-            <a:r>
-              <a:rPr lang="zh-CN" altLang="en-US" dirty="0" smtClean="0"/>
-              <a:t>策略</a:t>
+              <a:t>分支策略</a:t>
             </a:r>
             <a:endParaRPr lang="zh-CN" altLang="en-US" dirty="0"/>
           </a:p>
@@ -5717,13 +5723,7 @@
               <a:rPr lang="en-US" altLang="zh-CN" sz="800" dirty="0" smtClean="0">
                 <a:hlinkClick r:id="rId3"/>
               </a:rPr>
-              <a:t>https://</a:t>
-            </a:r>
-            <a:r>
-              <a:rPr lang="en-US" altLang="zh-CN" sz="800" dirty="0" smtClean="0">
-                <a:hlinkClick r:id="rId3"/>
-              </a:rPr>
-              <a:t>www.atlassian.com/git/tutorials/comparing-workflows/gitflow-workflow</a:t>
+              <a:t>https://www.atlassian.com/git/tutorials/comparing-workflows/gitflow-workflow</a:t>
             </a:r>
             <a:endParaRPr lang="en-US" altLang="zh-CN" sz="800" dirty="0" smtClean="0"/>
           </a:p>
@@ -5876,7 +5876,7 @@
     </p:spTree>
     <p:extLst>
       <p:ext uri="{BB962C8B-B14F-4D97-AF65-F5344CB8AC3E}">
-        <p14:creationId xmlns="" xmlns:p14="http://schemas.microsoft.com/office/powerpoint/2010/main" val="2745366316"/>
+        <p14:creationId xmlns:p14="http://schemas.microsoft.com/office/powerpoint/2010/main" xmlns="" val="2745366316"/>
       </p:ext>
     </p:extLst>
   </p:cSld>
@@ -6175,7 +6175,7 @@
   <a:extraClrSchemeLst/>
   <a:extLst>
     <a:ext uri="{05A4C25C-085E-4340-85A3-A5531E510DB2}">
-      <thm15:themeFamily xmlns="" xmlns:thm15="http://schemas.microsoft.com/office/thememl/2012/main" name="Office Theme" id="{62F939B6-93AF-4DB8-9C6B-D6C7DFDC589F}" vid="{4A3C46E8-61CC-4603-A589-7422A47A8E4A}"/>
+      <thm15:themeFamily xmlns:thm15="http://schemas.microsoft.com/office/thememl/2012/main" xmlns="" name="Office Theme" id="{62F939B6-93AF-4DB8-9C6B-D6C7DFDC589F}" vid="{4A3C46E8-61CC-4603-A589-7422A47A8E4A}"/>
     </a:ext>
   </a:extLst>
 </a:theme>

--- a/CI/CI.pptx
+++ b/CI/CI.pptx
@@ -9,24 +9,25 @@
     <p:sldId id="258" r:id="rId3"/>
     <p:sldId id="266" r:id="rId4"/>
     <p:sldId id="265" r:id="rId5"/>
-    <p:sldId id="257" r:id="rId6"/>
-    <p:sldId id="274" r:id="rId7"/>
-    <p:sldId id="277" r:id="rId8"/>
-    <p:sldId id="276" r:id="rId9"/>
-    <p:sldId id="260" r:id="rId10"/>
-    <p:sldId id="275" r:id="rId11"/>
-    <p:sldId id="261" r:id="rId12"/>
-    <p:sldId id="263" r:id="rId13"/>
-    <p:sldId id="262" r:id="rId14"/>
-    <p:sldId id="264" r:id="rId15"/>
-    <p:sldId id="267" r:id="rId16"/>
-    <p:sldId id="268" r:id="rId17"/>
-    <p:sldId id="270" r:id="rId18"/>
-    <p:sldId id="271" r:id="rId19"/>
-    <p:sldId id="272" r:id="rId20"/>
-    <p:sldId id="273" r:id="rId21"/>
-    <p:sldId id="269" r:id="rId22"/>
-    <p:sldId id="278" r:id="rId23"/>
+    <p:sldId id="279" r:id="rId6"/>
+    <p:sldId id="257" r:id="rId7"/>
+    <p:sldId id="274" r:id="rId8"/>
+    <p:sldId id="277" r:id="rId9"/>
+    <p:sldId id="276" r:id="rId10"/>
+    <p:sldId id="260" r:id="rId11"/>
+    <p:sldId id="275" r:id="rId12"/>
+    <p:sldId id="261" r:id="rId13"/>
+    <p:sldId id="263" r:id="rId14"/>
+    <p:sldId id="262" r:id="rId15"/>
+    <p:sldId id="264" r:id="rId16"/>
+    <p:sldId id="267" r:id="rId17"/>
+    <p:sldId id="268" r:id="rId18"/>
+    <p:sldId id="270" r:id="rId19"/>
+    <p:sldId id="271" r:id="rId20"/>
+    <p:sldId id="272" r:id="rId21"/>
+    <p:sldId id="273" r:id="rId22"/>
+    <p:sldId id="269" r:id="rId23"/>
+    <p:sldId id="278" r:id="rId24"/>
   </p:sldIdLst>
   <p:sldSz cx="12192000" cy="6858000"/>
   <p:notesSz cx="6858000" cy="9144000"/>
@@ -258,7 +259,7 @@
             <a:fld id="{D314177D-4D24-4D5B-9883-5FDB7C835FD3}" type="datetimeFigureOut">
               <a:rPr lang="zh-CN" altLang="en-US" smtClean="0"/>
               <a:pPr/>
-              <a:t>2016/9/27</a:t>
+              <a:t>2016/9/28</a:t>
             </a:fld>
             <a:endParaRPr lang="zh-CN" altLang="en-US"/>
           </a:p>
@@ -310,7 +311,7 @@
     </p:spTree>
     <p:extLst>
       <p:ext uri="{BB962C8B-B14F-4D97-AF65-F5344CB8AC3E}">
-        <p14:creationId xmlns:p14="http://schemas.microsoft.com/office/powerpoint/2010/main" xmlns="" val="179433876"/>
+        <p14:creationId xmlns="" xmlns:p14="http://schemas.microsoft.com/office/powerpoint/2010/main" val="179433876"/>
       </p:ext>
     </p:extLst>
   </p:cSld>
@@ -428,7 +429,7 @@
             <a:fld id="{D314177D-4D24-4D5B-9883-5FDB7C835FD3}" type="datetimeFigureOut">
               <a:rPr lang="zh-CN" altLang="en-US" smtClean="0"/>
               <a:pPr/>
-              <a:t>2016/9/27</a:t>
+              <a:t>2016/9/28</a:t>
             </a:fld>
             <a:endParaRPr lang="zh-CN" altLang="en-US"/>
           </a:p>
@@ -480,7 +481,7 @@
     </p:spTree>
     <p:extLst>
       <p:ext uri="{BB962C8B-B14F-4D97-AF65-F5344CB8AC3E}">
-        <p14:creationId xmlns:p14="http://schemas.microsoft.com/office/powerpoint/2010/main" xmlns="" val="3990689481"/>
+        <p14:creationId xmlns="" xmlns:p14="http://schemas.microsoft.com/office/powerpoint/2010/main" val="3990689481"/>
       </p:ext>
     </p:extLst>
   </p:cSld>
@@ -608,7 +609,7 @@
             <a:fld id="{D314177D-4D24-4D5B-9883-5FDB7C835FD3}" type="datetimeFigureOut">
               <a:rPr lang="zh-CN" altLang="en-US" smtClean="0"/>
               <a:pPr/>
-              <a:t>2016/9/27</a:t>
+              <a:t>2016/9/28</a:t>
             </a:fld>
             <a:endParaRPr lang="zh-CN" altLang="en-US"/>
           </a:p>
@@ -660,7 +661,7 @@
     </p:spTree>
     <p:extLst>
       <p:ext uri="{BB962C8B-B14F-4D97-AF65-F5344CB8AC3E}">
-        <p14:creationId xmlns:p14="http://schemas.microsoft.com/office/powerpoint/2010/main" xmlns="" val="2311475366"/>
+        <p14:creationId xmlns="" xmlns:p14="http://schemas.microsoft.com/office/powerpoint/2010/main" val="2311475366"/>
       </p:ext>
     </p:extLst>
   </p:cSld>
@@ -778,7 +779,7 @@
             <a:fld id="{D314177D-4D24-4D5B-9883-5FDB7C835FD3}" type="datetimeFigureOut">
               <a:rPr lang="zh-CN" altLang="en-US" smtClean="0"/>
               <a:pPr/>
-              <a:t>2016/9/27</a:t>
+              <a:t>2016/9/28</a:t>
             </a:fld>
             <a:endParaRPr lang="zh-CN" altLang="en-US"/>
           </a:p>
@@ -830,7 +831,7 @@
     </p:spTree>
     <p:extLst>
       <p:ext uri="{BB962C8B-B14F-4D97-AF65-F5344CB8AC3E}">
-        <p14:creationId xmlns:p14="http://schemas.microsoft.com/office/powerpoint/2010/main" xmlns="" val="559158518"/>
+        <p14:creationId xmlns="" xmlns:p14="http://schemas.microsoft.com/office/powerpoint/2010/main" val="559158518"/>
       </p:ext>
     </p:extLst>
   </p:cSld>
@@ -1025,7 +1026,7 @@
             <a:fld id="{D314177D-4D24-4D5B-9883-5FDB7C835FD3}" type="datetimeFigureOut">
               <a:rPr lang="zh-CN" altLang="en-US" smtClean="0"/>
               <a:pPr/>
-              <a:t>2016/9/27</a:t>
+              <a:t>2016/9/28</a:t>
             </a:fld>
             <a:endParaRPr lang="zh-CN" altLang="en-US"/>
           </a:p>
@@ -1077,7 +1078,7 @@
     </p:spTree>
     <p:extLst>
       <p:ext uri="{BB962C8B-B14F-4D97-AF65-F5344CB8AC3E}">
-        <p14:creationId xmlns:p14="http://schemas.microsoft.com/office/powerpoint/2010/main" xmlns="" val="162949256"/>
+        <p14:creationId xmlns="" xmlns:p14="http://schemas.microsoft.com/office/powerpoint/2010/main" val="162949256"/>
       </p:ext>
     </p:extLst>
   </p:cSld>
@@ -1256,7 +1257,7 @@
             <a:fld id="{D314177D-4D24-4D5B-9883-5FDB7C835FD3}" type="datetimeFigureOut">
               <a:rPr lang="zh-CN" altLang="en-US" smtClean="0"/>
               <a:pPr/>
-              <a:t>2016/9/27</a:t>
+              <a:t>2016/9/28</a:t>
             </a:fld>
             <a:endParaRPr lang="zh-CN" altLang="en-US"/>
           </a:p>
@@ -1308,7 +1309,7 @@
     </p:spTree>
     <p:extLst>
       <p:ext uri="{BB962C8B-B14F-4D97-AF65-F5344CB8AC3E}">
-        <p14:creationId xmlns:p14="http://schemas.microsoft.com/office/powerpoint/2010/main" xmlns="" val="1779635655"/>
+        <p14:creationId xmlns="" xmlns:p14="http://schemas.microsoft.com/office/powerpoint/2010/main" val="1779635655"/>
       </p:ext>
     </p:extLst>
   </p:cSld>
@@ -1622,7 +1623,7 @@
             <a:fld id="{D314177D-4D24-4D5B-9883-5FDB7C835FD3}" type="datetimeFigureOut">
               <a:rPr lang="zh-CN" altLang="en-US" smtClean="0"/>
               <a:pPr/>
-              <a:t>2016/9/27</a:t>
+              <a:t>2016/9/28</a:t>
             </a:fld>
             <a:endParaRPr lang="zh-CN" altLang="en-US"/>
           </a:p>
@@ -1674,7 +1675,7 @@
     </p:spTree>
     <p:extLst>
       <p:ext uri="{BB962C8B-B14F-4D97-AF65-F5344CB8AC3E}">
-        <p14:creationId xmlns:p14="http://schemas.microsoft.com/office/powerpoint/2010/main" xmlns="" val="1145708925"/>
+        <p14:creationId xmlns="" xmlns:p14="http://schemas.microsoft.com/office/powerpoint/2010/main" val="1145708925"/>
       </p:ext>
     </p:extLst>
   </p:cSld>
@@ -1741,7 +1742,7 @@
             <a:fld id="{D314177D-4D24-4D5B-9883-5FDB7C835FD3}" type="datetimeFigureOut">
               <a:rPr lang="zh-CN" altLang="en-US" smtClean="0"/>
               <a:pPr/>
-              <a:t>2016/9/27</a:t>
+              <a:t>2016/9/28</a:t>
             </a:fld>
             <a:endParaRPr lang="zh-CN" altLang="en-US"/>
           </a:p>
@@ -1793,7 +1794,7 @@
     </p:spTree>
     <p:extLst>
       <p:ext uri="{BB962C8B-B14F-4D97-AF65-F5344CB8AC3E}">
-        <p14:creationId xmlns:p14="http://schemas.microsoft.com/office/powerpoint/2010/main" xmlns="" val="2230175809"/>
+        <p14:creationId xmlns="" xmlns:p14="http://schemas.microsoft.com/office/powerpoint/2010/main" val="2230175809"/>
       </p:ext>
     </p:extLst>
   </p:cSld>
@@ -1838,7 +1839,7 @@
             <a:fld id="{D314177D-4D24-4D5B-9883-5FDB7C835FD3}" type="datetimeFigureOut">
               <a:rPr lang="zh-CN" altLang="en-US" smtClean="0"/>
               <a:pPr/>
-              <a:t>2016/9/27</a:t>
+              <a:t>2016/9/28</a:t>
             </a:fld>
             <a:endParaRPr lang="zh-CN" altLang="en-US"/>
           </a:p>
@@ -1890,7 +1891,7 @@
     </p:spTree>
     <p:extLst>
       <p:ext uri="{BB962C8B-B14F-4D97-AF65-F5344CB8AC3E}">
-        <p14:creationId xmlns:p14="http://schemas.microsoft.com/office/powerpoint/2010/main" xmlns="" val="3035505326"/>
+        <p14:creationId xmlns="" xmlns:p14="http://schemas.microsoft.com/office/powerpoint/2010/main" val="3035505326"/>
       </p:ext>
     </p:extLst>
   </p:cSld>
@@ -2115,7 +2116,7 @@
             <a:fld id="{D314177D-4D24-4D5B-9883-5FDB7C835FD3}" type="datetimeFigureOut">
               <a:rPr lang="zh-CN" altLang="en-US" smtClean="0"/>
               <a:pPr/>
-              <a:t>2016/9/27</a:t>
+              <a:t>2016/9/28</a:t>
             </a:fld>
             <a:endParaRPr lang="zh-CN" altLang="en-US"/>
           </a:p>
@@ -2167,7 +2168,7 @@
     </p:spTree>
     <p:extLst>
       <p:ext uri="{BB962C8B-B14F-4D97-AF65-F5344CB8AC3E}">
-        <p14:creationId xmlns:p14="http://schemas.microsoft.com/office/powerpoint/2010/main" xmlns="" val="1779068405"/>
+        <p14:creationId xmlns="" xmlns:p14="http://schemas.microsoft.com/office/powerpoint/2010/main" val="1779068405"/>
       </p:ext>
     </p:extLst>
   </p:cSld>
@@ -2369,7 +2370,7 @@
             <a:fld id="{D314177D-4D24-4D5B-9883-5FDB7C835FD3}" type="datetimeFigureOut">
               <a:rPr lang="zh-CN" altLang="en-US" smtClean="0"/>
               <a:pPr/>
-              <a:t>2016/9/27</a:t>
+              <a:t>2016/9/28</a:t>
             </a:fld>
             <a:endParaRPr lang="zh-CN" altLang="en-US"/>
           </a:p>
@@ -2421,7 +2422,7 @@
     </p:spTree>
     <p:extLst>
       <p:ext uri="{BB962C8B-B14F-4D97-AF65-F5344CB8AC3E}">
-        <p14:creationId xmlns:p14="http://schemas.microsoft.com/office/powerpoint/2010/main" xmlns="" val="1486777421"/>
+        <p14:creationId xmlns="" xmlns:p14="http://schemas.microsoft.com/office/powerpoint/2010/main" val="1486777421"/>
       </p:ext>
     </p:extLst>
   </p:cSld>
@@ -2582,7 +2583,7 @@
             <a:fld id="{D314177D-4D24-4D5B-9883-5FDB7C835FD3}" type="datetimeFigureOut">
               <a:rPr lang="zh-CN" altLang="en-US" smtClean="0"/>
               <a:pPr/>
-              <a:t>2016/9/27</a:t>
+              <a:t>2016/9/28</a:t>
             </a:fld>
             <a:endParaRPr lang="zh-CN" altLang="en-US"/>
           </a:p>
@@ -2670,7 +2671,7 @@
     </p:spTree>
     <p:extLst>
       <p:ext uri="{BB962C8B-B14F-4D97-AF65-F5344CB8AC3E}">
-        <p14:creationId xmlns:p14="http://schemas.microsoft.com/office/powerpoint/2010/main" xmlns="" val="4013215125"/>
+        <p14:creationId xmlns="" xmlns:p14="http://schemas.microsoft.com/office/powerpoint/2010/main" val="4013215125"/>
       </p:ext>
     </p:extLst>
   </p:cSld>
@@ -3041,7 +3042,7 @@
     </p:spTree>
     <p:extLst>
       <p:ext uri="{BB962C8B-B14F-4D97-AF65-F5344CB8AC3E}">
-        <p14:creationId xmlns:p14="http://schemas.microsoft.com/office/powerpoint/2010/main" xmlns="" val="853918072"/>
+        <p14:creationId xmlns="" xmlns:p14="http://schemas.microsoft.com/office/powerpoint/2010/main" val="853918072"/>
       </p:ext>
     </p:extLst>
   </p:cSld>
@@ -3085,6 +3086,155 @@
           <a:p>
             <a:r>
               <a:rPr lang="zh-CN" altLang="en-US" dirty="0" smtClean="0"/>
+              <a:t>持续发布</a:t>
+            </a:r>
+            <a:endParaRPr lang="zh-CN" altLang="en-US" dirty="0"/>
+          </a:p>
+        </p:txBody>
+      </p:sp>
+      <p:sp>
+        <p:nvSpPr>
+          <p:cNvPr id="3" name="内容占位符 2"/>
+          <p:cNvSpPr>
+            <a:spLocks noGrp="1"/>
+          </p:cNvSpPr>
+          <p:nvPr>
+            <p:ph idx="1"/>
+          </p:nvPr>
+        </p:nvSpPr>
+        <p:spPr/>
+        <p:txBody>
+          <a:bodyPr/>
+          <a:lstStyle/>
+          <a:p>
+            <a:r>
+              <a:rPr lang="zh-CN" altLang="en-US" dirty="0"/>
+              <a:t>持续交付</a:t>
+            </a:r>
+            <a:endParaRPr lang="en-US" altLang="zh-CN" dirty="0"/>
+          </a:p>
+          <a:p>
+            <a:pPr lvl="1"/>
+            <a:r>
+              <a:rPr lang="zh-CN" altLang="en-US" dirty="0"/>
+              <a:t>软件一直处在可发布状态</a:t>
+            </a:r>
+            <a:endParaRPr lang="en-US" altLang="zh-CN" dirty="0"/>
+          </a:p>
+          <a:p>
+            <a:r>
+              <a:rPr lang="zh-CN" altLang="en-US" dirty="0"/>
+              <a:t>发布周期</a:t>
+            </a:r>
+            <a:endParaRPr lang="en-US" altLang="zh-CN" dirty="0"/>
+          </a:p>
+          <a:p>
+            <a:pPr lvl="1"/>
+            <a:r>
+              <a:rPr lang="zh-CN" altLang="en-US" dirty="0"/>
+              <a:t>月</a:t>
+            </a:r>
+            <a:r>
+              <a:rPr lang="en-US" altLang="zh-CN" dirty="0"/>
+              <a:t>-</a:t>
+            </a:r>
+            <a:r>
+              <a:rPr lang="zh-CN" altLang="en-US" dirty="0"/>
+              <a:t>周</a:t>
+            </a:r>
+            <a:r>
+              <a:rPr lang="en-US" altLang="zh-CN"/>
+              <a:t>-</a:t>
+            </a:r>
+            <a:r>
+              <a:rPr lang="zh-CN" altLang="en-US"/>
+              <a:t>日</a:t>
+            </a:r>
+            <a:endParaRPr lang="zh-CN" altLang="en-US" dirty="0"/>
+          </a:p>
+        </p:txBody>
+      </p:sp>
+      <p:sp>
+        <p:nvSpPr>
+          <p:cNvPr id="4" name="TextBox 3"/>
+          <p:cNvSpPr txBox="1"/>
+          <p:nvPr/>
+        </p:nvSpPr>
+        <p:spPr>
+          <a:xfrm>
+            <a:off x="2286000" y="6027576"/>
+            <a:ext cx="9116598" cy="369332"/>
+          </a:xfrm>
+          <a:prstGeom prst="rect">
+            <a:avLst/>
+          </a:prstGeom>
+          <a:noFill/>
+        </p:spPr>
+        <p:txBody>
+          <a:bodyPr wrap="none" rtlCol="0">
+            <a:spAutoFit/>
+          </a:bodyPr>
+          <a:lstStyle/>
+          <a:p>
+            <a:r>
+              <a:rPr lang="zh-CN" altLang="en-US" dirty="0" smtClean="0"/>
+              <a:t>持续发布成熟度模型</a:t>
+            </a:r>
+            <a:r>
+              <a:rPr lang="en-US" altLang="zh-CN" dirty="0" smtClean="0"/>
+              <a:t>https://www.infoq.com/articles/Continuous-Delivery-Maturity-Model</a:t>
+            </a:r>
+            <a:endParaRPr lang="zh-CN" altLang="en-US" dirty="0"/>
+          </a:p>
+        </p:txBody>
+      </p:sp>
+    </p:spTree>
+    <p:extLst>
+      <p:ext uri="{BB962C8B-B14F-4D97-AF65-F5344CB8AC3E}">
+        <p14:creationId xmlns="" xmlns:p14="http://schemas.microsoft.com/office/powerpoint/2010/main" val="2745366316"/>
+      </p:ext>
+    </p:extLst>
+  </p:cSld>
+  <p:clrMapOvr>
+    <a:masterClrMapping/>
+  </p:clrMapOvr>
+</p:sld>
+</file>
+
+<file path=ppt/slides/slide11.xml><?xml version="1.0" encoding="utf-8"?>
+<p:sld xmlns:a="http://schemas.openxmlformats.org/drawingml/2006/main" xmlns:r="http://schemas.openxmlformats.org/officeDocument/2006/relationships" xmlns:p="http://schemas.openxmlformats.org/presentationml/2006/main">
+  <p:cSld>
+    <p:spTree>
+      <p:nvGrpSpPr>
+        <p:cNvPr id="1" name=""/>
+        <p:cNvGrpSpPr/>
+        <p:nvPr/>
+      </p:nvGrpSpPr>
+      <p:grpSpPr>
+        <a:xfrm>
+          <a:off x="0" y="0"/>
+          <a:ext cx="0" cy="0"/>
+          <a:chOff x="0" y="0"/>
+          <a:chExt cx="0" cy="0"/>
+        </a:xfrm>
+      </p:grpSpPr>
+      <p:sp>
+        <p:nvSpPr>
+          <p:cNvPr id="2" name="标题 1"/>
+          <p:cNvSpPr>
+            <a:spLocks noGrp="1"/>
+          </p:cNvSpPr>
+          <p:nvPr>
+            <p:ph type="title"/>
+          </p:nvPr>
+        </p:nvSpPr>
+        <p:spPr/>
+        <p:txBody>
+          <a:bodyPr/>
+          <a:lstStyle/>
+          <a:p>
+            <a:r>
+              <a:rPr lang="zh-CN" altLang="en-US" dirty="0" smtClean="0"/>
               <a:t>持续交付成熟度模型</a:t>
             </a:r>
             <a:r>
@@ -3322,7 +3472,7 @@
 </p:sld>
 </file>
 
-<file path=ppt/slides/slide11.xml><?xml version="1.0" encoding="utf-8"?>
+<file path=ppt/slides/slide12.xml><?xml version="1.0" encoding="utf-8"?>
 <p:sld xmlns:a="http://schemas.openxmlformats.org/drawingml/2006/main" xmlns:r="http://schemas.openxmlformats.org/officeDocument/2006/relationships" xmlns:p="http://schemas.openxmlformats.org/presentationml/2006/main">
   <p:cSld>
     <p:spTree>
@@ -3426,7 +3576,7 @@
 </p:sld>
 </file>
 
-<file path=ppt/slides/slide12.xml><?xml version="1.0" encoding="utf-8"?>
+<file path=ppt/slides/slide13.xml><?xml version="1.0" encoding="utf-8"?>
 <p:sld xmlns:a="http://schemas.openxmlformats.org/drawingml/2006/main" xmlns:r="http://schemas.openxmlformats.org/officeDocument/2006/relationships" xmlns:p="http://schemas.openxmlformats.org/presentationml/2006/main">
   <p:cSld>
     <p:spTree>
@@ -3526,7 +3676,7 @@
 </p:sld>
 </file>
 
-<file path=ppt/slides/slide13.xml><?xml version="1.0" encoding="utf-8"?>
+<file path=ppt/slides/slide14.xml><?xml version="1.0" encoding="utf-8"?>
 <p:sld xmlns:a="http://schemas.openxmlformats.org/drawingml/2006/main" xmlns:r="http://schemas.openxmlformats.org/officeDocument/2006/relationships" xmlns:p="http://schemas.openxmlformats.org/presentationml/2006/main">
   <p:cSld>
     <p:spTree>
@@ -3634,202 +3784,6 @@
 </p:sld>
 </file>
 
-<file path=ppt/slides/slide14.xml><?xml version="1.0" encoding="utf-8"?>
-<p:sld xmlns:a="http://schemas.openxmlformats.org/drawingml/2006/main" xmlns:r="http://schemas.openxmlformats.org/officeDocument/2006/relationships" xmlns:p="http://schemas.openxmlformats.org/presentationml/2006/main">
-  <p:cSld>
-    <p:spTree>
-      <p:nvGrpSpPr>
-        <p:cNvPr id="1" name=""/>
-        <p:cNvGrpSpPr/>
-        <p:nvPr/>
-      </p:nvGrpSpPr>
-      <p:grpSpPr>
-        <a:xfrm>
-          <a:off x="0" y="0"/>
-          <a:ext cx="0" cy="0"/>
-          <a:chOff x="0" y="0"/>
-          <a:chExt cx="0" cy="0"/>
-        </a:xfrm>
-      </p:grpSpPr>
-      <p:sp>
-        <p:nvSpPr>
-          <p:cNvPr id="2" name="标题 1"/>
-          <p:cNvSpPr>
-            <a:spLocks noGrp="1"/>
-          </p:cNvSpPr>
-          <p:nvPr>
-            <p:ph type="title"/>
-          </p:nvPr>
-        </p:nvSpPr>
-        <p:spPr/>
-        <p:txBody>
-          <a:bodyPr/>
-          <a:lstStyle/>
-          <a:p>
-            <a:r>
-              <a:rPr lang="zh-CN" altLang="en-US" dirty="0" smtClean="0"/>
-              <a:t>持续交付团队位置及成员角色</a:t>
-            </a:r>
-            <a:endParaRPr lang="zh-CN" altLang="en-US" dirty="0"/>
-          </a:p>
-        </p:txBody>
-      </p:sp>
-      <p:sp>
-        <p:nvSpPr>
-          <p:cNvPr id="3" name="内容占位符 2"/>
-          <p:cNvSpPr>
-            <a:spLocks noGrp="1"/>
-          </p:cNvSpPr>
-          <p:nvPr>
-            <p:ph idx="1"/>
-          </p:nvPr>
-        </p:nvSpPr>
-        <p:spPr/>
-        <p:txBody>
-          <a:bodyPr>
-            <a:normAutofit lnSpcReduction="10000"/>
-          </a:bodyPr>
-          <a:lstStyle/>
-          <a:p>
-            <a:r>
-              <a:rPr lang="zh-CN" altLang="en-US" dirty="0" smtClean="0"/>
-              <a:t>持续交附团队定位</a:t>
-            </a:r>
-            <a:endParaRPr lang="en-US" altLang="zh-CN" dirty="0" smtClean="0"/>
-          </a:p>
-          <a:p>
-            <a:pPr lvl="1"/>
-            <a:r>
-              <a:rPr lang="zh-CN" altLang="en-US" dirty="0" smtClean="0"/>
-              <a:t>持续交付方法的提供者和传播者。</a:t>
-            </a:r>
-            <a:endParaRPr lang="en-US" altLang="zh-CN" dirty="0" smtClean="0"/>
-          </a:p>
-          <a:p>
-            <a:pPr lvl="1"/>
-            <a:r>
-              <a:rPr lang="zh-CN" altLang="en-US" dirty="0" smtClean="0"/>
-              <a:t>持续交付服务的提供者。</a:t>
-            </a:r>
-            <a:endParaRPr lang="en-US" altLang="zh-CN" dirty="0" smtClean="0"/>
-          </a:p>
-          <a:p>
-            <a:r>
-              <a:rPr lang="zh-CN" altLang="en-US" dirty="0" smtClean="0"/>
-              <a:t>持续交付团队成员</a:t>
-            </a:r>
-            <a:endParaRPr lang="en-US" altLang="zh-CN" dirty="0" smtClean="0"/>
-          </a:p>
-          <a:p>
-            <a:pPr lvl="1"/>
-            <a:r>
-              <a:rPr lang="en-US" altLang="zh-CN" dirty="0" smtClean="0"/>
-              <a:t>CD</a:t>
-            </a:r>
-            <a:r>
-              <a:rPr lang="zh-CN" altLang="en-US" dirty="0" smtClean="0"/>
-              <a:t>工程师 </a:t>
-            </a:r>
-            <a:r>
-              <a:rPr lang="en-US" altLang="zh-CN" dirty="0" smtClean="0"/>
-              <a:t>– </a:t>
-            </a:r>
-            <a:r>
-              <a:rPr lang="zh-CN" altLang="en-US" dirty="0" smtClean="0"/>
-              <a:t>自动化构建</a:t>
-            </a:r>
-            <a:endParaRPr lang="en-US" altLang="zh-CN" dirty="0" smtClean="0"/>
-          </a:p>
-          <a:p>
-            <a:pPr lvl="2"/>
-            <a:r>
-              <a:rPr lang="zh-CN" altLang="en-US" dirty="0" smtClean="0"/>
-              <a:t>负责自动化构建系统的设计与建设、自动化脚本的设计与编写。</a:t>
-            </a:r>
-            <a:endParaRPr lang="en-US" altLang="zh-CN" dirty="0" smtClean="0"/>
-          </a:p>
-          <a:p>
-            <a:pPr lvl="1"/>
-            <a:r>
-              <a:rPr lang="en-US" altLang="zh-CN" dirty="0" smtClean="0"/>
-              <a:t>CD</a:t>
-            </a:r>
-            <a:r>
-              <a:rPr lang="zh-CN" altLang="en-US" dirty="0" smtClean="0"/>
-              <a:t>工程师 </a:t>
-            </a:r>
-            <a:r>
-              <a:rPr lang="en-US" altLang="zh-CN" dirty="0" smtClean="0"/>
-              <a:t>– </a:t>
-            </a:r>
-            <a:r>
-              <a:rPr lang="zh-CN" altLang="en-US" dirty="0" smtClean="0"/>
-              <a:t>自动化测试</a:t>
-            </a:r>
-            <a:endParaRPr lang="en-US" altLang="zh-CN" dirty="0" smtClean="0"/>
-          </a:p>
-          <a:p>
-            <a:pPr lvl="2"/>
-            <a:r>
-              <a:rPr lang="zh-CN" altLang="en-US" dirty="0" smtClean="0"/>
-              <a:t>负责自动化测试系统的设计与建设、自动化测试用例与脚本的设计与编写。</a:t>
-            </a:r>
-            <a:endParaRPr lang="en-US" altLang="zh-CN" dirty="0" smtClean="0"/>
-          </a:p>
-          <a:p>
-            <a:pPr lvl="1"/>
-            <a:r>
-              <a:rPr lang="en-US" altLang="zh-CN" dirty="0" smtClean="0"/>
-              <a:t>CD</a:t>
-            </a:r>
-            <a:r>
-              <a:rPr lang="zh-CN" altLang="en-US" dirty="0" smtClean="0"/>
-              <a:t>工程师 </a:t>
-            </a:r>
-            <a:r>
-              <a:rPr lang="en-US" altLang="zh-CN" dirty="0" smtClean="0"/>
-              <a:t>– </a:t>
-            </a:r>
-            <a:r>
-              <a:rPr lang="zh-CN" altLang="en-US" dirty="0" smtClean="0"/>
-              <a:t>自动化部署</a:t>
-            </a:r>
-            <a:endParaRPr lang="en-US" altLang="zh-CN" dirty="0" smtClean="0"/>
-          </a:p>
-          <a:p>
-            <a:pPr lvl="2"/>
-            <a:r>
-              <a:rPr lang="zh-CN" altLang="en-US" dirty="0" smtClean="0"/>
-              <a:t>负现自动化部署系统的设计与建设、自动化部署脚本的设计与编写。</a:t>
-            </a:r>
-            <a:endParaRPr lang="en-US" altLang="zh-CN" dirty="0" smtClean="0"/>
-          </a:p>
-          <a:p>
-            <a:pPr lvl="1"/>
-            <a:r>
-              <a:rPr lang="zh-CN" altLang="en-US" dirty="0" smtClean="0"/>
-              <a:t>版本控制</a:t>
-            </a:r>
-            <a:endParaRPr lang="en-US" altLang="zh-CN" dirty="0" smtClean="0"/>
-          </a:p>
-          <a:p>
-            <a:pPr lvl="2"/>
-            <a:r>
-              <a:rPr lang="zh-CN" altLang="en-US" dirty="0" smtClean="0"/>
-              <a:t>分支策略设计，版本定义，版本库管理。</a:t>
-            </a:r>
-            <a:endParaRPr lang="en-US" altLang="zh-CN" dirty="0" smtClean="0"/>
-          </a:p>
-        </p:txBody>
-      </p:sp>
-    </p:spTree>
-  </p:cSld>
-  <p:clrMapOvr>
-    <a:masterClrMapping/>
-  </p:clrMapOvr>
-</p:sld>
-</file>
-
 <file path=ppt/slides/slide15.xml><?xml version="1.0" encoding="utf-8"?>
 <p:sld xmlns:a="http://schemas.openxmlformats.org/drawingml/2006/main" xmlns:r="http://schemas.openxmlformats.org/officeDocument/2006/relationships" xmlns:p="http://schemas.openxmlformats.org/presentationml/2006/main">
   <p:cSld>
@@ -3864,7 +3818,7 @@
           <a:p>
             <a:r>
               <a:rPr lang="zh-CN" altLang="en-US" dirty="0" smtClean="0"/>
-              <a:t>必须实践</a:t>
+              <a:t>持续交付团队位置及成员角色</a:t>
             </a:r>
             <a:endParaRPr lang="zh-CN" altLang="en-US" dirty="0"/>
           </a:p>
@@ -3882,42 +3836,139 @@
         </p:nvSpPr>
         <p:spPr/>
         <p:txBody>
-          <a:bodyPr/>
-          <a:lstStyle/>
-          <a:p>
-            <a:r>
-              <a:rPr lang="zh-CN" altLang="en-US" dirty="0" smtClean="0"/>
-              <a:t>不允许在失败的构建上继续提交。</a:t>
+          <a:bodyPr>
+            <a:normAutofit lnSpcReduction="10000"/>
+          </a:bodyPr>
+          <a:lstStyle/>
+          <a:p>
+            <a:r>
+              <a:rPr lang="zh-CN" altLang="en-US" dirty="0" smtClean="0"/>
+              <a:t>持续交附团队定位</a:t>
             </a:r>
             <a:endParaRPr lang="en-US" altLang="zh-CN" dirty="0" smtClean="0"/>
           </a:p>
           <a:p>
-            <a:r>
-              <a:rPr lang="zh-CN" altLang="en-US" dirty="0" smtClean="0"/>
-              <a:t>首先进行本地测试。</a:t>
+            <a:pPr lvl="1"/>
+            <a:r>
+              <a:rPr lang="zh-CN" altLang="en-US" dirty="0" smtClean="0"/>
+              <a:t>持续交付方法的提供者和传播者。</a:t>
             </a:r>
             <a:endParaRPr lang="en-US" altLang="zh-CN" dirty="0" smtClean="0"/>
           </a:p>
           <a:p>
-            <a:r>
-              <a:rPr lang="zh-CN" altLang="en-US" dirty="0" smtClean="0"/>
-              <a:t>下个任务开始前需要等待提交测试。</a:t>
+            <a:pPr lvl="1"/>
+            <a:r>
+              <a:rPr lang="zh-CN" altLang="en-US" dirty="0" smtClean="0"/>
+              <a:t>持续交付服务的提供者。</a:t>
             </a:r>
             <a:endParaRPr lang="en-US" altLang="zh-CN" dirty="0" smtClean="0"/>
           </a:p>
           <a:p>
             <a:r>
               <a:rPr lang="zh-CN" altLang="en-US" dirty="0" smtClean="0"/>
-              <a:t>结束工作前保证构建是成功的。</a:t>
+              <a:t>持续交付团队成员</a:t>
             </a:r>
             <a:endParaRPr lang="en-US" altLang="zh-CN" dirty="0" smtClean="0"/>
           </a:p>
           <a:p>
-            <a:r>
-              <a:rPr lang="zh-CN" altLang="en-US" dirty="0" smtClean="0"/>
-              <a:t>准备回退。</a:t>
-            </a:r>
-            <a:endParaRPr lang="zh-CN" altLang="en-US" dirty="0"/>
+            <a:pPr lvl="1"/>
+            <a:r>
+              <a:rPr lang="en-US" altLang="zh-CN" dirty="0" smtClean="0"/>
+              <a:t>CD</a:t>
+            </a:r>
+            <a:r>
+              <a:rPr lang="zh-CN" altLang="en-US" dirty="0" smtClean="0"/>
+              <a:t>工程师 </a:t>
+            </a:r>
+            <a:r>
+              <a:rPr lang="en-US" altLang="zh-CN" dirty="0" smtClean="0"/>
+              <a:t>– </a:t>
+            </a:r>
+            <a:r>
+              <a:rPr lang="zh-CN" altLang="en-US" dirty="0" smtClean="0"/>
+              <a:t>自动化构建</a:t>
+            </a:r>
+            <a:endParaRPr lang="en-US" altLang="zh-CN" dirty="0" smtClean="0"/>
+          </a:p>
+          <a:p>
+            <a:pPr lvl="2"/>
+            <a:r>
+              <a:rPr lang="zh-CN" altLang="en-US" dirty="0" smtClean="0"/>
+              <a:t>负责自动化构建系统的设计与建设、自动化脚本的设计与编写。</a:t>
+            </a:r>
+            <a:endParaRPr lang="en-US" altLang="zh-CN" dirty="0" smtClean="0"/>
+          </a:p>
+          <a:p>
+            <a:pPr lvl="1"/>
+            <a:r>
+              <a:rPr lang="en-US" altLang="zh-CN" dirty="0" smtClean="0"/>
+              <a:t>CD</a:t>
+            </a:r>
+            <a:r>
+              <a:rPr lang="zh-CN" altLang="en-US" dirty="0" smtClean="0"/>
+              <a:t>工程师 </a:t>
+            </a:r>
+            <a:r>
+              <a:rPr lang="en-US" altLang="zh-CN" dirty="0" smtClean="0"/>
+              <a:t>– </a:t>
+            </a:r>
+            <a:r>
+              <a:rPr lang="zh-CN" altLang="en-US" dirty="0" smtClean="0"/>
+              <a:t>自动化测试</a:t>
+            </a:r>
+            <a:endParaRPr lang="en-US" altLang="zh-CN" dirty="0" smtClean="0"/>
+          </a:p>
+          <a:p>
+            <a:pPr lvl="2"/>
+            <a:r>
+              <a:rPr lang="zh-CN" altLang="en-US" dirty="0" smtClean="0"/>
+              <a:t>负责自动化测试系统的设计与建设、自动化测试用例与脚本的设计与编写。</a:t>
+            </a:r>
+            <a:endParaRPr lang="en-US" altLang="zh-CN" dirty="0" smtClean="0"/>
+          </a:p>
+          <a:p>
+            <a:pPr lvl="1"/>
+            <a:r>
+              <a:rPr lang="en-US" altLang="zh-CN" dirty="0" smtClean="0"/>
+              <a:t>CD</a:t>
+            </a:r>
+            <a:r>
+              <a:rPr lang="zh-CN" altLang="en-US" dirty="0" smtClean="0"/>
+              <a:t>工程师 </a:t>
+            </a:r>
+            <a:r>
+              <a:rPr lang="en-US" altLang="zh-CN" dirty="0" smtClean="0"/>
+              <a:t>– </a:t>
+            </a:r>
+            <a:r>
+              <a:rPr lang="zh-CN" altLang="en-US" dirty="0" smtClean="0"/>
+              <a:t>自动化部署</a:t>
+            </a:r>
+            <a:endParaRPr lang="en-US" altLang="zh-CN" dirty="0" smtClean="0"/>
+          </a:p>
+          <a:p>
+            <a:pPr lvl="2"/>
+            <a:r>
+              <a:rPr lang="zh-CN" altLang="en-US" dirty="0" smtClean="0"/>
+              <a:t>负现自动化部署系统的设计与建设、自动化部署脚本的设计与编写。</a:t>
+            </a:r>
+            <a:endParaRPr lang="en-US" altLang="zh-CN" dirty="0" smtClean="0"/>
+          </a:p>
+          <a:p>
+            <a:pPr lvl="1"/>
+            <a:r>
+              <a:rPr lang="zh-CN" altLang="en-US" dirty="0" smtClean="0"/>
+              <a:t>版本控制</a:t>
+            </a:r>
+            <a:endParaRPr lang="en-US" altLang="zh-CN" dirty="0" smtClean="0"/>
+          </a:p>
+          <a:p>
+            <a:pPr lvl="2"/>
+            <a:r>
+              <a:rPr lang="zh-CN" altLang="en-US" dirty="0" smtClean="0"/>
+              <a:t>分支策略设计，版本定义，版本库管理。</a:t>
+            </a:r>
+            <a:endParaRPr lang="en-US" altLang="zh-CN" dirty="0" smtClean="0"/>
           </a:p>
         </p:txBody>
       </p:sp>
@@ -3963,7 +4014,7 @@
           <a:p>
             <a:r>
               <a:rPr lang="zh-CN" altLang="en-US" dirty="0" smtClean="0"/>
-              <a:t>环境</a:t>
+              <a:t>必须实践</a:t>
             </a:r>
             <a:endParaRPr lang="zh-CN" altLang="en-US" dirty="0"/>
           </a:p>
@@ -3986,22 +4037,35 @@
           <a:p>
             <a:r>
               <a:rPr lang="zh-CN" altLang="en-US" dirty="0" smtClean="0"/>
-              <a:t>保持所有环境一致</a:t>
-            </a:r>
-            <a:r>
-              <a:rPr lang="en-US" altLang="zh-CN" dirty="0" smtClean="0"/>
-              <a:t>——</a:t>
-            </a:r>
-            <a:r>
-              <a:rPr lang="zh-CN" altLang="en-US" dirty="0" smtClean="0"/>
-              <a:t>测试到生产。</a:t>
+              <a:t>不允许在失败的构建上继续提交。</a:t>
             </a:r>
             <a:endParaRPr lang="en-US" altLang="zh-CN" dirty="0" smtClean="0"/>
           </a:p>
           <a:p>
             <a:r>
               <a:rPr lang="zh-CN" altLang="en-US" dirty="0" smtClean="0"/>
-              <a:t>标准开发环境。</a:t>
+              <a:t>首先进行本地测试。</a:t>
+            </a:r>
+            <a:endParaRPr lang="en-US" altLang="zh-CN" dirty="0" smtClean="0"/>
+          </a:p>
+          <a:p>
+            <a:r>
+              <a:rPr lang="zh-CN" altLang="en-US" dirty="0" smtClean="0"/>
+              <a:t>下个任务开始前需要等待提交测试。</a:t>
+            </a:r>
+            <a:endParaRPr lang="en-US" altLang="zh-CN" dirty="0" smtClean="0"/>
+          </a:p>
+          <a:p>
+            <a:r>
+              <a:rPr lang="zh-CN" altLang="en-US" dirty="0" smtClean="0"/>
+              <a:t>结束工作前保证构建是成功的。</a:t>
+            </a:r>
+            <a:endParaRPr lang="en-US" altLang="zh-CN" dirty="0" smtClean="0"/>
+          </a:p>
+          <a:p>
+            <a:r>
+              <a:rPr lang="zh-CN" altLang="en-US" dirty="0" smtClean="0"/>
+              <a:t>准备回退。</a:t>
             </a:r>
             <a:endParaRPr lang="zh-CN" altLang="en-US" dirty="0"/>
           </a:p>
@@ -4049,7 +4113,7 @@
           <a:p>
             <a:r>
               <a:rPr lang="zh-CN" altLang="en-US" dirty="0" smtClean="0"/>
-              <a:t>依赖</a:t>
+              <a:t>环境</a:t>
             </a:r>
             <a:endParaRPr lang="zh-CN" altLang="en-US" dirty="0"/>
           </a:p>
@@ -4072,17 +4136,23 @@
           <a:p>
             <a:r>
               <a:rPr lang="zh-CN" altLang="en-US" dirty="0" smtClean="0"/>
-              <a:t>对外部库集中存储。</a:t>
+              <a:t>保持所有环境一致</a:t>
+            </a:r>
+            <a:r>
+              <a:rPr lang="en-US" altLang="zh-CN" dirty="0" smtClean="0"/>
+              <a:t>——</a:t>
+            </a:r>
+            <a:r>
+              <a:rPr lang="zh-CN" altLang="en-US" dirty="0" smtClean="0"/>
+              <a:t>测试到生产。</a:t>
             </a:r>
             <a:endParaRPr lang="en-US" altLang="zh-CN" dirty="0" smtClean="0"/>
           </a:p>
           <a:p>
             <a:r>
-              <a:rPr lang="en-US" altLang="zh-CN" dirty="0" smtClean="0"/>
-              <a:t>Manage our own NXG components.</a:t>
-            </a:r>
-          </a:p>
-          <a:p>
+              <a:rPr lang="zh-CN" altLang="en-US" dirty="0" smtClean="0"/>
+              <a:t>标准开发环境。</a:t>
+            </a:r>
             <a:endParaRPr lang="zh-CN" altLang="en-US" dirty="0"/>
           </a:p>
         </p:txBody>
@@ -4129,7 +4199,7 @@
           <a:p>
             <a:r>
               <a:rPr lang="zh-CN" altLang="en-US" dirty="0" smtClean="0"/>
-              <a:t>配置管理</a:t>
+              <a:t>依赖</a:t>
             </a:r>
             <a:endParaRPr lang="zh-CN" altLang="en-US" dirty="0"/>
           </a:p>
@@ -4152,29 +4222,17 @@
           <a:p>
             <a:r>
               <a:rPr lang="zh-CN" altLang="en-US" dirty="0" smtClean="0"/>
-              <a:t>管理应用、软件、环境。</a:t>
+              <a:t>对外部库集中存储。</a:t>
             </a:r>
             <a:endParaRPr lang="en-US" altLang="zh-CN" dirty="0" smtClean="0"/>
           </a:p>
           <a:p>
             <a:r>
-              <a:rPr lang="zh-CN" altLang="en-US" dirty="0" smtClean="0"/>
-              <a:t>在部署时处理</a:t>
-            </a:r>
-            <a:endParaRPr lang="en-US" altLang="zh-CN" dirty="0" smtClean="0"/>
-          </a:p>
-          <a:p>
-            <a:r>
-              <a:rPr lang="zh-CN" altLang="en-US" dirty="0" smtClean="0"/>
-              <a:t>自动化</a:t>
-            </a:r>
-            <a:endParaRPr lang="en-US" altLang="zh-CN" dirty="0" smtClean="0"/>
-          </a:p>
-          <a:p>
-            <a:r>
-              <a:rPr lang="zh-CN" altLang="en-US" dirty="0" smtClean="0"/>
-              <a:t>使用版本控制</a:t>
-            </a:r>
+              <a:rPr lang="en-US" altLang="zh-CN" dirty="0" smtClean="0"/>
+              <a:t>Manage our own NXG components.</a:t>
+            </a:r>
+          </a:p>
+          <a:p>
             <a:endParaRPr lang="zh-CN" altLang="en-US" dirty="0"/>
           </a:p>
         </p:txBody>
@@ -4221,7 +4279,7 @@
           <a:p>
             <a:r>
               <a:rPr lang="zh-CN" altLang="en-US" dirty="0" smtClean="0"/>
-              <a:t>部署到生产</a:t>
+              <a:t>配置管理</a:t>
             </a:r>
             <a:endParaRPr lang="zh-CN" altLang="en-US" dirty="0"/>
           </a:p>
@@ -4244,28 +4302,28 @@
           <a:p>
             <a:r>
               <a:rPr lang="zh-CN" altLang="en-US" dirty="0" smtClean="0"/>
-              <a:t>与测试过程保持同样的流程。</a:t>
+              <a:t>管理应用、软件、环境。</a:t>
             </a:r>
             <a:endParaRPr lang="en-US" altLang="zh-CN" dirty="0" smtClean="0"/>
           </a:p>
           <a:p>
             <a:r>
               <a:rPr lang="zh-CN" altLang="en-US" dirty="0" smtClean="0"/>
-              <a:t>频繁测试。</a:t>
+              <a:t>在部署时处理</a:t>
             </a:r>
             <a:endParaRPr lang="en-US" altLang="zh-CN" dirty="0" smtClean="0"/>
           </a:p>
           <a:p>
             <a:r>
               <a:rPr lang="zh-CN" altLang="en-US" dirty="0" smtClean="0"/>
-              <a:t>可控的。</a:t>
+              <a:t>自动化</a:t>
             </a:r>
             <a:endParaRPr lang="en-US" altLang="zh-CN" dirty="0" smtClean="0"/>
           </a:p>
           <a:p>
             <a:r>
               <a:rPr lang="zh-CN" altLang="en-US" dirty="0" smtClean="0"/>
-              <a:t>能够撤消更改。</a:t>
+              <a:t>使用版本控制</a:t>
             </a:r>
             <a:endParaRPr lang="zh-CN" altLang="en-US" dirty="0"/>
           </a:p>
@@ -4395,7 +4453,7 @@
     </p:spTree>
     <p:extLst>
       <p:ext uri="{BB962C8B-B14F-4D97-AF65-F5344CB8AC3E}">
-        <p14:creationId xmlns:p14="http://schemas.microsoft.com/office/powerpoint/2010/main" xmlns="" val="1635708100"/>
+        <p14:creationId xmlns="" xmlns:p14="http://schemas.microsoft.com/office/powerpoint/2010/main" val="1635708100"/>
       </p:ext>
     </p:extLst>
   </p:cSld>
@@ -4439,7 +4497,7 @@
           <a:p>
             <a:r>
               <a:rPr lang="zh-CN" altLang="en-US" dirty="0" smtClean="0"/>
-              <a:t>最佳实践</a:t>
+              <a:t>部署到生产</a:t>
             </a:r>
             <a:endParaRPr lang="zh-CN" altLang="en-US" dirty="0"/>
           </a:p>
@@ -4462,62 +4520,29 @@
           <a:p>
             <a:r>
               <a:rPr lang="zh-CN" altLang="en-US" dirty="0" smtClean="0"/>
-              <a:t>仅构建</a:t>
-            </a:r>
-            <a:r>
-              <a:rPr lang="en-US" altLang="zh-CN" dirty="0" smtClean="0"/>
-              <a:t>binaries</a:t>
-            </a:r>
-            <a:r>
-              <a:rPr lang="zh-CN" altLang="en-US" dirty="0" smtClean="0"/>
-              <a:t>一次。</a:t>
+              <a:t>与测试过程保持同样的流程。</a:t>
             </a:r>
             <a:endParaRPr lang="en-US" altLang="zh-CN" dirty="0" smtClean="0"/>
           </a:p>
           <a:p>
             <a:r>
               <a:rPr lang="zh-CN" altLang="en-US" dirty="0" smtClean="0"/>
-              <a:t>每个环境使用同样的部署方式。</a:t>
+              <a:t>频繁测试。</a:t>
             </a:r>
             <a:endParaRPr lang="en-US" altLang="zh-CN" dirty="0" smtClean="0"/>
           </a:p>
           <a:p>
             <a:r>
               <a:rPr lang="zh-CN" altLang="en-US" dirty="0" smtClean="0"/>
-              <a:t>对部署进行冒烟测试。</a:t>
+              <a:t>可控的。</a:t>
             </a:r>
             <a:endParaRPr lang="en-US" altLang="zh-CN" dirty="0" smtClean="0"/>
           </a:p>
           <a:p>
             <a:r>
               <a:rPr lang="zh-CN" altLang="en-US" dirty="0" smtClean="0"/>
-              <a:t>部署到生产环境的附本中。</a:t>
-            </a:r>
-            <a:endParaRPr lang="en-US" altLang="zh-CN" dirty="0" smtClean="0"/>
-          </a:p>
-          <a:p>
-            <a:r>
-              <a:rPr lang="zh-CN" altLang="en-US" dirty="0" smtClean="0"/>
-              <a:t>每个更改需沿管道前进。</a:t>
-            </a:r>
-            <a:endParaRPr lang="en-US" altLang="zh-CN" dirty="0" smtClean="0"/>
-          </a:p>
-          <a:p>
-            <a:r>
-              <a:rPr lang="zh-CN" altLang="en-US" dirty="0" smtClean="0"/>
-              <a:t>如有失败</a:t>
-            </a:r>
-            <a:r>
-              <a:rPr lang="en-US" altLang="zh-CN" dirty="0" smtClean="0"/>
-              <a:t>——</a:t>
-            </a:r>
-            <a:r>
-              <a:rPr lang="zh-CN" altLang="en-US" dirty="0" smtClean="0"/>
-              <a:t>停止。</a:t>
-            </a:r>
-            <a:endParaRPr lang="en-US" altLang="zh-CN" dirty="0" smtClean="0"/>
-          </a:p>
-          <a:p>
+              <a:t>能够撤消更改。</a:t>
+            </a:r>
             <a:endParaRPr lang="zh-CN" altLang="en-US" dirty="0"/>
           </a:p>
         </p:txBody>
@@ -4531,6 +4556,131 @@
 </file>
 
 <file path=ppt/slides/slide21.xml><?xml version="1.0" encoding="utf-8"?>
+<p:sld xmlns:a="http://schemas.openxmlformats.org/drawingml/2006/main" xmlns:r="http://schemas.openxmlformats.org/officeDocument/2006/relationships" xmlns:p="http://schemas.openxmlformats.org/presentationml/2006/main">
+  <p:cSld>
+    <p:spTree>
+      <p:nvGrpSpPr>
+        <p:cNvPr id="1" name=""/>
+        <p:cNvGrpSpPr/>
+        <p:nvPr/>
+      </p:nvGrpSpPr>
+      <p:grpSpPr>
+        <a:xfrm>
+          <a:off x="0" y="0"/>
+          <a:ext cx="0" cy="0"/>
+          <a:chOff x="0" y="0"/>
+          <a:chExt cx="0" cy="0"/>
+        </a:xfrm>
+      </p:grpSpPr>
+      <p:sp>
+        <p:nvSpPr>
+          <p:cNvPr id="2" name="标题 1"/>
+          <p:cNvSpPr>
+            <a:spLocks noGrp="1"/>
+          </p:cNvSpPr>
+          <p:nvPr>
+            <p:ph type="title"/>
+          </p:nvPr>
+        </p:nvSpPr>
+        <p:spPr/>
+        <p:txBody>
+          <a:bodyPr/>
+          <a:lstStyle/>
+          <a:p>
+            <a:r>
+              <a:rPr lang="zh-CN" altLang="en-US" dirty="0" smtClean="0"/>
+              <a:t>最佳实践</a:t>
+            </a:r>
+            <a:endParaRPr lang="zh-CN" altLang="en-US" dirty="0"/>
+          </a:p>
+        </p:txBody>
+      </p:sp>
+      <p:sp>
+        <p:nvSpPr>
+          <p:cNvPr id="3" name="内容占位符 2"/>
+          <p:cNvSpPr>
+            <a:spLocks noGrp="1"/>
+          </p:cNvSpPr>
+          <p:nvPr>
+            <p:ph idx="1"/>
+          </p:nvPr>
+        </p:nvSpPr>
+        <p:spPr/>
+        <p:txBody>
+          <a:bodyPr/>
+          <a:lstStyle/>
+          <a:p>
+            <a:r>
+              <a:rPr lang="zh-CN" altLang="en-US" dirty="0" smtClean="0"/>
+              <a:t>仅构建</a:t>
+            </a:r>
+            <a:r>
+              <a:rPr lang="en-US" altLang="zh-CN" dirty="0" smtClean="0"/>
+              <a:t>binaries</a:t>
+            </a:r>
+            <a:r>
+              <a:rPr lang="zh-CN" altLang="en-US" dirty="0" smtClean="0"/>
+              <a:t>一次。</a:t>
+            </a:r>
+            <a:endParaRPr lang="en-US" altLang="zh-CN" dirty="0" smtClean="0"/>
+          </a:p>
+          <a:p>
+            <a:r>
+              <a:rPr lang="zh-CN" altLang="en-US" dirty="0" smtClean="0"/>
+              <a:t>每个环境使用同样的部署方式。</a:t>
+            </a:r>
+            <a:endParaRPr lang="en-US" altLang="zh-CN" dirty="0" smtClean="0"/>
+          </a:p>
+          <a:p>
+            <a:r>
+              <a:rPr lang="zh-CN" altLang="en-US" dirty="0" smtClean="0"/>
+              <a:t>对部署进行冒烟测试。</a:t>
+            </a:r>
+            <a:endParaRPr lang="en-US" altLang="zh-CN" dirty="0" smtClean="0"/>
+          </a:p>
+          <a:p>
+            <a:r>
+              <a:rPr lang="zh-CN" altLang="en-US" dirty="0" smtClean="0"/>
+              <a:t>部署到生产环境的附本中。</a:t>
+            </a:r>
+            <a:endParaRPr lang="en-US" altLang="zh-CN" dirty="0" smtClean="0"/>
+          </a:p>
+          <a:p>
+            <a:r>
+              <a:rPr lang="zh-CN" altLang="en-US" dirty="0" smtClean="0"/>
+              <a:t>每个更改需沿管道前进。</a:t>
+            </a:r>
+            <a:endParaRPr lang="en-US" altLang="zh-CN" dirty="0" smtClean="0"/>
+          </a:p>
+          <a:p>
+            <a:r>
+              <a:rPr lang="zh-CN" altLang="en-US" dirty="0" smtClean="0"/>
+              <a:t>如有失败</a:t>
+            </a:r>
+            <a:r>
+              <a:rPr lang="en-US" altLang="zh-CN" dirty="0" smtClean="0"/>
+              <a:t>——</a:t>
+            </a:r>
+            <a:r>
+              <a:rPr lang="zh-CN" altLang="en-US" dirty="0" smtClean="0"/>
+              <a:t>停止。</a:t>
+            </a:r>
+            <a:endParaRPr lang="en-US" altLang="zh-CN" dirty="0" smtClean="0"/>
+          </a:p>
+          <a:p>
+            <a:endParaRPr lang="zh-CN" altLang="en-US" dirty="0"/>
+          </a:p>
+        </p:txBody>
+      </p:sp>
+    </p:spTree>
+  </p:cSld>
+  <p:clrMapOvr>
+    <a:masterClrMapping/>
+  </p:clrMapOvr>
+</p:sld>
+</file>
+
+<file path=ppt/slides/slide22.xml><?xml version="1.0" encoding="utf-8"?>
 <p:sld xmlns:a="http://schemas.openxmlformats.org/drawingml/2006/main" xmlns:r="http://schemas.openxmlformats.org/officeDocument/2006/relationships" xmlns:p="http://schemas.openxmlformats.org/presentationml/2006/main">
   <p:cSld>
     <p:spTree>
@@ -4630,7 +4780,7 @@
 </p:sld>
 </file>
 
-<file path=ppt/slides/slide22.xml><?xml version="1.0" encoding="utf-8"?>
+<file path=ppt/slides/slide23.xml><?xml version="1.0" encoding="utf-8"?>
 <p:sld xmlns:a="http://schemas.openxmlformats.org/drawingml/2006/main" xmlns:r="http://schemas.openxmlformats.org/officeDocument/2006/relationships" xmlns:p="http://schemas.openxmlformats.org/presentationml/2006/main">
   <p:cSld>
     <p:spTree>
@@ -5164,7 +5314,15 @@
           <a:p>
             <a:r>
               <a:rPr lang="zh-CN" altLang="en-US" dirty="0" smtClean="0"/>
-              <a:t>持续集成过程</a:t>
+              <a:t>持续集成工具选择</a:t>
+            </a:r>
+            <a:r>
+              <a:rPr lang="en-US" altLang="zh-CN" dirty="0" smtClean="0"/>
+              <a:t>-</a:t>
+            </a:r>
+            <a:r>
+              <a:rPr lang="zh-CN" altLang="en-US" dirty="0" smtClean="0"/>
+              <a:t>其他</a:t>
             </a:r>
             <a:endParaRPr lang="zh-CN" altLang="en-US" dirty="0"/>
           </a:p>
@@ -5182,49 +5340,219 @@
         </p:nvSpPr>
         <p:spPr/>
         <p:txBody>
-          <a:bodyPr/>
-          <a:lstStyle/>
-          <a:p>
+          <a:bodyPr>
+            <a:normAutofit lnSpcReduction="10000"/>
+          </a:bodyPr>
+          <a:lstStyle/>
+          <a:p>
+            <a:r>
+              <a:rPr lang="en-US" altLang="zh-CN" dirty="0" err="1" smtClean="0"/>
+              <a:t>VersionEye</a:t>
+            </a:r>
+            <a:r>
+              <a:rPr lang="zh-CN" altLang="en-US" dirty="0" smtClean="0"/>
+              <a:t>：开源持续更新工具</a:t>
+            </a:r>
+            <a:endParaRPr lang="en-US" altLang="zh-CN" dirty="0" smtClean="0"/>
+          </a:p>
+          <a:p>
+            <a:pPr lvl="1"/>
+            <a:r>
+              <a:rPr lang="en-US" altLang="zh-CN" dirty="0" smtClean="0">
+                <a:hlinkClick r:id="rId2"/>
+              </a:rPr>
+              <a:t>https://</a:t>
+            </a:r>
+            <a:r>
+              <a:rPr lang="en-US" altLang="zh-CN" dirty="0" smtClean="0">
+                <a:hlinkClick r:id="rId2"/>
+              </a:rPr>
+              <a:t>www.versioneye.com</a:t>
+            </a:r>
+            <a:r>
+              <a:rPr lang="en-US" altLang="zh-CN" dirty="0" smtClean="0"/>
+              <a:t> </a:t>
+            </a:r>
+            <a:endParaRPr lang="en-US" altLang="zh-CN" dirty="0" smtClean="0"/>
+          </a:p>
+          <a:p>
+            <a:pPr lvl="1"/>
+            <a:r>
+              <a:rPr lang="zh-CN" altLang="en-US" dirty="0" smtClean="0"/>
+              <a:t>提供许多软件库的更新通知、许可检查和安全漏洞信息。</a:t>
+            </a:r>
+            <a:endParaRPr lang="en-US" altLang="zh-CN" dirty="0" smtClean="0"/>
+          </a:p>
+          <a:p>
+            <a:pPr lvl="1"/>
+            <a:r>
+              <a:rPr lang="zh-CN" altLang="en-US" dirty="0" smtClean="0"/>
+              <a:t>扫描所有项目，检测相应的依赖项，并定期报告过期库。</a:t>
+            </a:r>
+            <a:endParaRPr lang="en-US" altLang="zh-CN" dirty="0" smtClean="0"/>
+          </a:p>
+          <a:p>
+            <a:r>
+              <a:rPr lang="en-US" altLang="zh-CN" dirty="0" smtClean="0"/>
+              <a:t>Concourse</a:t>
+            </a:r>
+            <a:r>
+              <a:rPr lang="zh-CN" altLang="en-US" dirty="0" smtClean="0"/>
+              <a:t>：开源的</a:t>
+            </a:r>
+            <a:r>
+              <a:rPr lang="en-US" altLang="zh-CN" dirty="0" smtClean="0"/>
+              <a:t>CI</a:t>
+            </a:r>
+            <a:r>
+              <a:rPr lang="zh-CN" altLang="en-US" dirty="0" smtClean="0"/>
+              <a:t>管道工具（</a:t>
+            </a:r>
+            <a:r>
+              <a:rPr lang="en-US" altLang="zh-CN" dirty="0" smtClean="0"/>
+              <a:t>Jenkins 2.0</a:t>
+            </a:r>
+            <a:r>
+              <a:rPr lang="zh-CN" altLang="en-US" dirty="0" smtClean="0"/>
+              <a:t>添加了管道构建系统）</a:t>
+            </a:r>
+            <a:endParaRPr lang="en-US" altLang="zh-CN" dirty="0" smtClean="0"/>
+          </a:p>
+          <a:p>
+            <a:pPr lvl="1"/>
+            <a:r>
+              <a:rPr lang="en-US" altLang="zh-CN" dirty="0" smtClean="0">
+                <a:hlinkClick r:id="rId3"/>
+              </a:rPr>
+              <a:t>https://</a:t>
+            </a:r>
+            <a:r>
+              <a:rPr lang="en-US" altLang="zh-CN" dirty="0" smtClean="0">
+                <a:hlinkClick r:id="rId3"/>
+              </a:rPr>
+              <a:t>github.com/concourse/concourse</a:t>
+            </a:r>
+            <a:endParaRPr lang="en-US" altLang="zh-CN" dirty="0" smtClean="0"/>
+          </a:p>
+          <a:p>
+            <a:r>
+              <a:rPr lang="en-US" altLang="zh-CN" dirty="0" err="1" smtClean="0"/>
+              <a:t>Gradle</a:t>
+            </a:r>
+            <a:r>
+              <a:rPr lang="zh-CN" altLang="en-US" dirty="0" smtClean="0"/>
+              <a:t>：</a:t>
+            </a:r>
+            <a:endParaRPr lang="en-US" altLang="zh-CN" dirty="0" smtClean="0"/>
+          </a:p>
+          <a:p>
+            <a:pPr lvl="1"/>
+            <a:r>
+              <a:rPr lang="en-US" altLang="zh-CN" dirty="0" smtClean="0">
+                <a:hlinkClick r:id="rId4"/>
+              </a:rPr>
+              <a:t>https://gradle.org</a:t>
+            </a:r>
+            <a:r>
+              <a:rPr lang="en-US" altLang="zh-CN" dirty="0" smtClean="0">
+                <a:hlinkClick r:id="rId4"/>
+              </a:rPr>
+              <a:t>/</a:t>
+            </a:r>
+            <a:r>
+              <a:rPr lang="en-US" altLang="zh-CN" dirty="0" smtClean="0"/>
+              <a:t> </a:t>
+            </a:r>
+          </a:p>
+          <a:p>
+            <a:pPr lvl="1"/>
+            <a:r>
+              <a:rPr lang="zh-CN" altLang="en-US" dirty="0" smtClean="0"/>
+              <a:t>基</a:t>
+            </a:r>
+            <a:r>
+              <a:rPr lang="en-US" altLang="zh-CN" dirty="0" smtClean="0"/>
+              <a:t>Ant</a:t>
+            </a:r>
+            <a:r>
+              <a:rPr lang="zh-CN" altLang="en-US" dirty="0" smtClean="0"/>
+              <a:t>和</a:t>
+            </a:r>
+            <a:r>
+              <a:rPr lang="en-US" altLang="zh-CN" dirty="0" smtClean="0"/>
+              <a:t>Maven</a:t>
+            </a:r>
+            <a:r>
+              <a:rPr lang="zh-CN" altLang="en-US" dirty="0" smtClean="0"/>
+              <a:t>的自动化构建工具</a:t>
+            </a:r>
+            <a:endParaRPr lang="en-US" altLang="zh-CN" dirty="0" smtClean="0"/>
+          </a:p>
+          <a:p>
+            <a:r>
+              <a:rPr lang="en-US" altLang="zh-CN" dirty="0" err="1" smtClean="0"/>
+              <a:t>ChatOps</a:t>
+            </a:r>
+            <a:r>
+              <a:rPr lang="zh-CN" altLang="en-US" dirty="0" smtClean="0"/>
+              <a:t>：</a:t>
+            </a:r>
+            <a:r>
+              <a:rPr lang="en-US" altLang="zh-CN" dirty="0" smtClean="0"/>
+              <a:t>(</a:t>
+            </a:r>
+            <a:r>
+              <a:rPr lang="en-US" altLang="zh-CN" dirty="0" smtClean="0">
+                <a:hlinkClick r:id="rId5"/>
+              </a:rPr>
+              <a:t>http://</a:t>
+            </a:r>
+            <a:r>
+              <a:rPr lang="en-US" altLang="zh-CN" dirty="0" smtClean="0">
+                <a:hlinkClick r:id="rId5"/>
+              </a:rPr>
+              <a:t>www.tuicool.com/articles/FbYNNnr</a:t>
+            </a:r>
+            <a:r>
+              <a:rPr lang="en-US" altLang="zh-CN" dirty="0" smtClean="0"/>
+              <a:t>)</a:t>
+            </a:r>
+          </a:p>
+          <a:p>
+            <a:pPr lvl="1"/>
+            <a:r>
+              <a:rPr lang="en-US" altLang="zh-CN" dirty="0" smtClean="0"/>
+              <a:t>Cog, Slack, </a:t>
+            </a:r>
+            <a:r>
+              <a:rPr lang="en-US" altLang="zh-CN" dirty="0" err="1" smtClean="0"/>
+              <a:t>HipChat</a:t>
+            </a:r>
+            <a:r>
+              <a:rPr lang="en-US" altLang="zh-CN" dirty="0" smtClean="0"/>
+              <a:t>, </a:t>
+            </a:r>
+            <a:r>
+              <a:rPr lang="en-US" altLang="zh-CN" dirty="0" err="1" smtClean="0"/>
+              <a:t>Hubot</a:t>
+            </a:r>
+            <a:r>
+              <a:rPr lang="en-US" altLang="zh-CN" dirty="0" smtClean="0"/>
+              <a:t>, </a:t>
+            </a:r>
+            <a:r>
+              <a:rPr lang="en-US" altLang="zh-CN" dirty="0" err="1" smtClean="0"/>
+              <a:t>Lita</a:t>
+            </a:r>
+            <a:r>
+              <a:rPr lang="en-US" altLang="zh-CN" dirty="0" smtClean="0"/>
+              <a:t>, Err</a:t>
+            </a:r>
             <a:endParaRPr lang="zh-CN" altLang="en-US" dirty="0"/>
           </a:p>
         </p:txBody>
       </p:sp>
-      <p:pic>
-        <p:nvPicPr>
-          <p:cNvPr id="5" name="图片 4"/>
-          <p:cNvPicPr>
-            <a:picLocks noChangeAspect="1"/>
-          </p:cNvPicPr>
-          <p:nvPr/>
-        </p:nvPicPr>
-        <p:blipFill>
-          <a:blip r:embed="rId2">
-            <a:extLst>
-              <a:ext uri="{28A0092B-C50C-407E-A947-70E740481C1C}">
-                <a14:useLocalDpi xmlns:a14="http://schemas.microsoft.com/office/drawing/2010/main" xmlns="" val="0"/>
-              </a:ext>
-            </a:extLst>
-          </a:blip>
-          <a:stretch>
-            <a:fillRect/>
-          </a:stretch>
-        </p:blipFill>
-        <p:spPr>
-          <a:xfrm>
-            <a:off x="1376362" y="1825625"/>
-            <a:ext cx="9439275" cy="4686300"/>
-          </a:xfrm>
-          <a:prstGeom prst="rect">
-            <a:avLst/>
-          </a:prstGeom>
-        </p:spPr>
-      </p:pic>
     </p:spTree>
-    <p:extLst>
-      <p:ext uri="{BB962C8B-B14F-4D97-AF65-F5344CB8AC3E}">
-        <p14:creationId xmlns:p14="http://schemas.microsoft.com/office/powerpoint/2010/main" xmlns="" val="1384145767"/>
-      </p:ext>
-    </p:extLst>
   </p:cSld>
   <p:clrMapOvr>
     <a:masterClrMapping/>
@@ -5266,6 +5594,108 @@
           <a:p>
             <a:r>
               <a:rPr lang="zh-CN" altLang="en-US" dirty="0" smtClean="0"/>
+              <a:t>持续集成过程</a:t>
+            </a:r>
+            <a:endParaRPr lang="zh-CN" altLang="en-US" dirty="0"/>
+          </a:p>
+        </p:txBody>
+      </p:sp>
+      <p:sp>
+        <p:nvSpPr>
+          <p:cNvPr id="3" name="内容占位符 2"/>
+          <p:cNvSpPr>
+            <a:spLocks noGrp="1"/>
+          </p:cNvSpPr>
+          <p:nvPr>
+            <p:ph idx="1"/>
+          </p:nvPr>
+        </p:nvSpPr>
+        <p:spPr/>
+        <p:txBody>
+          <a:bodyPr/>
+          <a:lstStyle/>
+          <a:p>
+            <a:endParaRPr lang="zh-CN" altLang="en-US" dirty="0"/>
+          </a:p>
+        </p:txBody>
+      </p:sp>
+      <p:pic>
+        <p:nvPicPr>
+          <p:cNvPr id="5" name="图片 4"/>
+          <p:cNvPicPr>
+            <a:picLocks noChangeAspect="1"/>
+          </p:cNvPicPr>
+          <p:nvPr/>
+        </p:nvPicPr>
+        <p:blipFill>
+          <a:blip r:embed="rId2">
+            <a:extLst>
+              <a:ext uri="{28A0092B-C50C-407E-A947-70E740481C1C}">
+                <a14:useLocalDpi xmlns="" xmlns:a14="http://schemas.microsoft.com/office/drawing/2010/main" val="0"/>
+              </a:ext>
+            </a:extLst>
+          </a:blip>
+          <a:stretch>
+            <a:fillRect/>
+          </a:stretch>
+        </p:blipFill>
+        <p:spPr>
+          <a:xfrm>
+            <a:off x="1376362" y="1825625"/>
+            <a:ext cx="9439275" cy="4686300"/>
+          </a:xfrm>
+          <a:prstGeom prst="rect">
+            <a:avLst/>
+          </a:prstGeom>
+        </p:spPr>
+      </p:pic>
+    </p:spTree>
+    <p:extLst>
+      <p:ext uri="{BB962C8B-B14F-4D97-AF65-F5344CB8AC3E}">
+        <p14:creationId xmlns="" xmlns:p14="http://schemas.microsoft.com/office/powerpoint/2010/main" val="1384145767"/>
+      </p:ext>
+    </p:extLst>
+  </p:cSld>
+  <p:clrMapOvr>
+    <a:masterClrMapping/>
+  </p:clrMapOvr>
+</p:sld>
+</file>
+
+<file path=ppt/slides/slide7.xml><?xml version="1.0" encoding="utf-8"?>
+<p:sld xmlns:a="http://schemas.openxmlformats.org/drawingml/2006/main" xmlns:r="http://schemas.openxmlformats.org/officeDocument/2006/relationships" xmlns:p="http://schemas.openxmlformats.org/presentationml/2006/main">
+  <p:cSld>
+    <p:spTree>
+      <p:nvGrpSpPr>
+        <p:cNvPr id="1" name=""/>
+        <p:cNvGrpSpPr/>
+        <p:nvPr/>
+      </p:nvGrpSpPr>
+      <p:grpSpPr>
+        <a:xfrm>
+          <a:off x="0" y="0"/>
+          <a:ext cx="0" cy="0"/>
+          <a:chOff x="0" y="0"/>
+          <a:chExt cx="0" cy="0"/>
+        </a:xfrm>
+      </p:grpSpPr>
+      <p:sp>
+        <p:nvSpPr>
+          <p:cNvPr id="2" name="标题 1"/>
+          <p:cNvSpPr>
+            <a:spLocks noGrp="1"/>
+          </p:cNvSpPr>
+          <p:nvPr>
+            <p:ph type="title"/>
+          </p:nvPr>
+        </p:nvSpPr>
+        <p:spPr/>
+        <p:txBody>
+          <a:bodyPr/>
+          <a:lstStyle/>
+          <a:p>
+            <a:r>
+              <a:rPr lang="zh-CN" altLang="en-US" dirty="0" smtClean="0"/>
               <a:t>版本控制模型（多团队）必须达成的目标</a:t>
             </a:r>
             <a:endParaRPr lang="zh-CN" altLang="en-US" dirty="0"/>
@@ -5357,7 +5787,7 @@
 </p:sld>
 </file>
 
-<file path=ppt/slides/slide7.xml><?xml version="1.0" encoding="utf-8"?>
+<file path=ppt/slides/slide8.xml><?xml version="1.0" encoding="utf-8"?>
 <p:sld xmlns:a="http://schemas.openxmlformats.org/drawingml/2006/main" xmlns:r="http://schemas.openxmlformats.org/officeDocument/2006/relationships" xmlns:p="http://schemas.openxmlformats.org/presentationml/2006/main">
   <p:cSld>
     <p:spTree>
@@ -5569,7 +5999,7 @@
 </p:sld>
 </file>
 
-<file path=ppt/slides/slide8.xml><?xml version="1.0" encoding="utf-8"?>
+<file path=ppt/slides/slide9.xml><?xml version="1.0" encoding="utf-8"?>
 <p:sld xmlns:a="http://schemas.openxmlformats.org/drawingml/2006/main" xmlns:r="http://schemas.openxmlformats.org/officeDocument/2006/relationships" xmlns:p="http://schemas.openxmlformats.org/presentationml/2006/main">
   <p:cSld>
     <p:spTree>
@@ -5730,155 +6160,6 @@
         </p:txBody>
       </p:sp>
     </p:spTree>
-  </p:cSld>
-  <p:clrMapOvr>
-    <a:masterClrMapping/>
-  </p:clrMapOvr>
-</p:sld>
-</file>
-
-<file path=ppt/slides/slide9.xml><?xml version="1.0" encoding="utf-8"?>
-<p:sld xmlns:a="http://schemas.openxmlformats.org/drawingml/2006/main" xmlns:r="http://schemas.openxmlformats.org/officeDocument/2006/relationships" xmlns:p="http://schemas.openxmlformats.org/presentationml/2006/main">
-  <p:cSld>
-    <p:spTree>
-      <p:nvGrpSpPr>
-        <p:cNvPr id="1" name=""/>
-        <p:cNvGrpSpPr/>
-        <p:nvPr/>
-      </p:nvGrpSpPr>
-      <p:grpSpPr>
-        <a:xfrm>
-          <a:off x="0" y="0"/>
-          <a:ext cx="0" cy="0"/>
-          <a:chOff x="0" y="0"/>
-          <a:chExt cx="0" cy="0"/>
-        </a:xfrm>
-      </p:grpSpPr>
-      <p:sp>
-        <p:nvSpPr>
-          <p:cNvPr id="2" name="标题 1"/>
-          <p:cNvSpPr>
-            <a:spLocks noGrp="1"/>
-          </p:cNvSpPr>
-          <p:nvPr>
-            <p:ph type="title"/>
-          </p:nvPr>
-        </p:nvSpPr>
-        <p:spPr/>
-        <p:txBody>
-          <a:bodyPr/>
-          <a:lstStyle/>
-          <a:p>
-            <a:r>
-              <a:rPr lang="zh-CN" altLang="en-US" dirty="0" smtClean="0"/>
-              <a:t>持续发布</a:t>
-            </a:r>
-            <a:endParaRPr lang="zh-CN" altLang="en-US" dirty="0"/>
-          </a:p>
-        </p:txBody>
-      </p:sp>
-      <p:sp>
-        <p:nvSpPr>
-          <p:cNvPr id="3" name="内容占位符 2"/>
-          <p:cNvSpPr>
-            <a:spLocks noGrp="1"/>
-          </p:cNvSpPr>
-          <p:nvPr>
-            <p:ph idx="1"/>
-          </p:nvPr>
-        </p:nvSpPr>
-        <p:spPr/>
-        <p:txBody>
-          <a:bodyPr/>
-          <a:lstStyle/>
-          <a:p>
-            <a:r>
-              <a:rPr lang="zh-CN" altLang="en-US" dirty="0"/>
-              <a:t>持续交付</a:t>
-            </a:r>
-            <a:endParaRPr lang="en-US" altLang="zh-CN" dirty="0"/>
-          </a:p>
-          <a:p>
-            <a:pPr lvl="1"/>
-            <a:r>
-              <a:rPr lang="zh-CN" altLang="en-US" dirty="0"/>
-              <a:t>软件一直处在可发布状态</a:t>
-            </a:r>
-            <a:endParaRPr lang="en-US" altLang="zh-CN" dirty="0"/>
-          </a:p>
-          <a:p>
-            <a:r>
-              <a:rPr lang="zh-CN" altLang="en-US" dirty="0"/>
-              <a:t>发布周期</a:t>
-            </a:r>
-            <a:endParaRPr lang="en-US" altLang="zh-CN" dirty="0"/>
-          </a:p>
-          <a:p>
-            <a:pPr lvl="1"/>
-            <a:r>
-              <a:rPr lang="zh-CN" altLang="en-US" dirty="0"/>
-              <a:t>月</a:t>
-            </a:r>
-            <a:r>
-              <a:rPr lang="en-US" altLang="zh-CN" dirty="0"/>
-              <a:t>-</a:t>
-            </a:r>
-            <a:r>
-              <a:rPr lang="zh-CN" altLang="en-US" dirty="0"/>
-              <a:t>周</a:t>
-            </a:r>
-            <a:r>
-              <a:rPr lang="en-US" altLang="zh-CN"/>
-              <a:t>-</a:t>
-            </a:r>
-            <a:r>
-              <a:rPr lang="zh-CN" altLang="en-US"/>
-              <a:t>日</a:t>
-            </a:r>
-            <a:endParaRPr lang="zh-CN" altLang="en-US" dirty="0"/>
-          </a:p>
-        </p:txBody>
-      </p:sp>
-      <p:sp>
-        <p:nvSpPr>
-          <p:cNvPr id="4" name="TextBox 3"/>
-          <p:cNvSpPr txBox="1"/>
-          <p:nvPr/>
-        </p:nvSpPr>
-        <p:spPr>
-          <a:xfrm>
-            <a:off x="2286000" y="6027576"/>
-            <a:ext cx="9116598" cy="369332"/>
-          </a:xfrm>
-          <a:prstGeom prst="rect">
-            <a:avLst/>
-          </a:prstGeom>
-          <a:noFill/>
-        </p:spPr>
-        <p:txBody>
-          <a:bodyPr wrap="none" rtlCol="0">
-            <a:spAutoFit/>
-          </a:bodyPr>
-          <a:lstStyle/>
-          <a:p>
-            <a:r>
-              <a:rPr lang="zh-CN" altLang="en-US" dirty="0" smtClean="0"/>
-              <a:t>持续发布成熟度模型</a:t>
-            </a:r>
-            <a:r>
-              <a:rPr lang="en-US" altLang="zh-CN" dirty="0" smtClean="0"/>
-              <a:t>https://www.infoq.com/articles/Continuous-Delivery-Maturity-Model</a:t>
-            </a:r>
-            <a:endParaRPr lang="zh-CN" altLang="en-US" dirty="0"/>
-          </a:p>
-        </p:txBody>
-      </p:sp>
-    </p:spTree>
-    <p:extLst>
-      <p:ext uri="{BB962C8B-B14F-4D97-AF65-F5344CB8AC3E}">
-        <p14:creationId xmlns:p14="http://schemas.microsoft.com/office/powerpoint/2010/main" xmlns="" val="2745366316"/>
-      </p:ext>
-    </p:extLst>
   </p:cSld>
   <p:clrMapOvr>
     <a:masterClrMapping/>
@@ -6175,7 +6456,7 @@
   <a:extraClrSchemeLst/>
   <a:extLst>
     <a:ext uri="{05A4C25C-085E-4340-85A3-A5531E510DB2}">
-      <thm15:themeFamily xmlns:thm15="http://schemas.microsoft.com/office/thememl/2012/main" xmlns="" name="Office Theme" id="{62F939B6-93AF-4DB8-9C6B-D6C7DFDC589F}" vid="{4A3C46E8-61CC-4603-A589-7422A47A8E4A}"/>
+      <thm15:themeFamily xmlns="" xmlns:thm15="http://schemas.microsoft.com/office/thememl/2012/main" name="Office Theme" id="{62F939B6-93AF-4DB8-9C6B-D6C7DFDC589F}" vid="{4A3C46E8-61CC-4603-A589-7422A47A8E4A}"/>
     </a:ext>
   </a:extLst>
 </a:theme>
